--- a/【LT】_中村大輝.pptx
+++ b/【LT】_中村大輝.pptx
@@ -5,7 +5,7 @@
     <p:sldMasterId id="2147483648" r:id="rId1"/>
   </p:sldMasterIdLst>
   <p:notesMasterIdLst>
-    <p:notesMasterId r:id="rId18"/>
+    <p:notesMasterId r:id="rId23"/>
   </p:notesMasterIdLst>
   <p:sldIdLst>
     <p:sldId id="256" r:id="rId2"/>
@@ -15,15 +15,20 @@
     <p:sldId id="261" r:id="rId6"/>
     <p:sldId id="257" r:id="rId7"/>
     <p:sldId id="267" r:id="rId8"/>
-    <p:sldId id="263" r:id="rId9"/>
-    <p:sldId id="264" r:id="rId10"/>
-    <p:sldId id="265" r:id="rId11"/>
-    <p:sldId id="270" r:id="rId12"/>
-    <p:sldId id="269" r:id="rId13"/>
-    <p:sldId id="271" r:id="rId14"/>
-    <p:sldId id="268" r:id="rId15"/>
-    <p:sldId id="266" r:id="rId16"/>
-    <p:sldId id="272" r:id="rId17"/>
+    <p:sldId id="273" r:id="rId9"/>
+    <p:sldId id="263" r:id="rId10"/>
+    <p:sldId id="274" r:id="rId11"/>
+    <p:sldId id="264" r:id="rId12"/>
+    <p:sldId id="275" r:id="rId13"/>
+    <p:sldId id="265" r:id="rId14"/>
+    <p:sldId id="276" r:id="rId15"/>
+    <p:sldId id="270" r:id="rId16"/>
+    <p:sldId id="277" r:id="rId17"/>
+    <p:sldId id="269" r:id="rId18"/>
+    <p:sldId id="266" r:id="rId19"/>
+    <p:sldId id="279" r:id="rId20"/>
+    <p:sldId id="280" r:id="rId21"/>
+    <p:sldId id="272" r:id="rId22"/>
   </p:sldIdLst>
   <p:sldSz cx="12192000" cy="6858000"/>
   <p:notesSz cx="6858000" cy="9144000"/>
@@ -223,7 +228,7 @@
           <a:p>
             <a:fld id="{5F21343D-BF3F-4772-BFB0-FA65A113D7DC}" type="datetimeFigureOut">
               <a:rPr kumimoji="1" lang="ja-JP" altLang="en-US" smtClean="0"/>
-              <a:t>2017/6/15</a:t>
+              <a:t>2017/6/18</a:t>
             </a:fld>
             <a:endParaRPr kumimoji="1" lang="ja-JP" altLang="en-US"/>
           </a:p>
@@ -350,7 +355,6 @@
               <a:rPr kumimoji="1" lang="ja-JP" altLang="en-US"/>
               <a:t>レベル</a:t>
             </a:r>
-            <a:endParaRPr kumimoji="1" lang="ja-JP" altLang="en-US"/>
           </a:p>
         </p:txBody>
       </p:sp>
@@ -749,7 +753,7 @@
           <a:p>
             <a:fld id="{ADBD7523-8E44-4F1E-BD3B-8823CE99850D}" type="datetime1">
               <a:rPr lang="ja-JP" altLang="en-US" smtClean="0"/>
-              <a:t>2017/6/15</a:t>
+              <a:t>2017/6/18</a:t>
             </a:fld>
             <a:endParaRPr lang="en-US" dirty="0"/>
           </a:p>
@@ -984,7 +988,7 @@
           <a:p>
             <a:fld id="{5A3066C4-7F28-40FA-884B-C86C13E7415E}" type="datetime1">
               <a:rPr lang="ja-JP" altLang="en-US" smtClean="0"/>
-              <a:t>2017/6/15</a:t>
+              <a:t>2017/6/18</a:t>
             </a:fld>
             <a:endParaRPr lang="en-US" dirty="0"/>
           </a:p>
@@ -1267,7 +1271,7 @@
           <a:p>
             <a:fld id="{7D225567-A3DF-46DC-8956-083088C7442E}" type="datetime1">
               <a:rPr lang="ja-JP" altLang="en-US" smtClean="0"/>
-              <a:t>2017/6/15</a:t>
+              <a:t>2017/6/18</a:t>
             </a:fld>
             <a:endParaRPr lang="en-US" dirty="0"/>
           </a:p>
@@ -1468,7 +1472,7 @@
           <a:p>
             <a:fld id="{9D151157-8862-4D9D-9B55-D41590D36B99}" type="datetime1">
               <a:rPr lang="ja-JP" altLang="en-US" smtClean="0"/>
-              <a:t>2017/6/15</a:t>
+              <a:t>2017/6/18</a:t>
             </a:fld>
             <a:endParaRPr lang="en-US" dirty="0"/>
           </a:p>
@@ -1806,7 +1810,7 @@
           <a:p>
             <a:fld id="{591BEF64-5C54-4CAD-B27E-2A51318617C5}" type="datetime1">
               <a:rPr lang="ja-JP" altLang="en-US" smtClean="0"/>
-              <a:t>2017/6/15</a:t>
+              <a:t>2017/6/18</a:t>
             </a:fld>
             <a:endParaRPr lang="en-US" dirty="0"/>
           </a:p>
@@ -2140,7 +2144,7 @@
           <a:p>
             <a:fld id="{B5A3270F-BBD6-4EE9-ABF6-6016E860B03A}" type="datetime1">
               <a:rPr lang="ja-JP" altLang="en-US" smtClean="0"/>
-              <a:t>2017/6/15</a:t>
+              <a:t>2017/6/18</a:t>
             </a:fld>
             <a:endParaRPr lang="en-US" dirty="0"/>
           </a:p>
@@ -2578,7 +2582,7 @@
           <a:p>
             <a:fld id="{BA8D8F4A-F3A5-4423-9AD6-C5ACFA46B09D}" type="datetime1">
               <a:rPr lang="ja-JP" altLang="en-US" smtClean="0"/>
-              <a:t>2017/6/15</a:t>
+              <a:t>2017/6/18</a:t>
             </a:fld>
             <a:endParaRPr lang="en-US" dirty="0"/>
           </a:p>
@@ -2691,7 +2695,7 @@
           <a:p>
             <a:fld id="{D95641CC-D1B8-4E73-B380-EE070D426E7D}" type="datetime1">
               <a:rPr lang="ja-JP" altLang="en-US" smtClean="0"/>
-              <a:t>2017/6/15</a:t>
+              <a:t>2017/6/18</a:t>
             </a:fld>
             <a:endParaRPr lang="en-US" dirty="0"/>
           </a:p>
@@ -2857,7 +2861,7 @@
           <a:p>
             <a:fld id="{F8E0BC39-477C-49A9-94EA-FAC3D264471B}" type="datetime1">
               <a:rPr lang="ja-JP" altLang="en-US" smtClean="0"/>
-              <a:t>2017/6/15</a:t>
+              <a:t>2017/6/18</a:t>
             </a:fld>
             <a:endParaRPr lang="en-US" dirty="0"/>
           </a:p>
@@ -3239,7 +3243,7 @@
           <a:p>
             <a:fld id="{8F2C9398-4A39-4D8B-B8B0-C7A281D84652}" type="datetime1">
               <a:rPr lang="ja-JP" altLang="en-US" smtClean="0"/>
-              <a:t>2017/6/15</a:t>
+              <a:t>2017/6/18</a:t>
             </a:fld>
             <a:endParaRPr lang="en-US" dirty="0"/>
           </a:p>
@@ -3617,7 +3621,7 @@
           <a:p>
             <a:fld id="{B0074E73-03A9-4234-A2BF-7F146492FAF7}" type="datetime1">
               <a:rPr lang="ja-JP" altLang="en-US" smtClean="0"/>
-              <a:t>2017/6/15</a:t>
+              <a:t>2017/6/18</a:t>
             </a:fld>
             <a:endParaRPr lang="en-US" dirty="0"/>
           </a:p>
@@ -3931,7 +3935,7 @@
           <a:p>
             <a:fld id="{EAF85748-2ADB-4DBA-8A9D-7A4CF89BC5B4}" type="datetime1">
               <a:rPr lang="ja-JP" altLang="en-US" smtClean="0"/>
-              <a:t>2017/6/15</a:t>
+              <a:t>2017/6/18</a:t>
             </a:fld>
             <a:endParaRPr lang="en-US" dirty="0"/>
           </a:p>
@@ -4531,6 +4535,13 @@
   <p:clrMapOvr>
     <a:masterClrMapping/>
   </p:clrMapOvr>
+  <p:timing>
+    <p:tnLst>
+      <p:par>
+        <p:cTn id="1" dur="indefinite" restart="never" nodeType="tmRoot"/>
+      </p:par>
+    </p:tnLst>
+  </p:timing>
 </p:sld>
 </file>
 
@@ -4568,7 +4579,7 @@
           <a:p>
             <a:fld id="{F8E0BC39-477C-49A9-94EA-FAC3D264471B}" type="datetime1">
               <a:rPr lang="ja-JP" altLang="en-US" smtClean="0"/>
-              <a:t>2017/6/15</a:t>
+              <a:t>2017/6/18</a:t>
             </a:fld>
             <a:endParaRPr lang="en-US" dirty="0"/>
           </a:p>
@@ -4606,8 +4617,8 @@
         </p:nvSpPr>
         <p:spPr>
           <a:xfrm>
-            <a:off x="2079259" y="2447835"/>
-            <a:ext cx="8033481" cy="3416320"/>
+            <a:off x="955122" y="379250"/>
+            <a:ext cx="10214656" cy="5170646"/>
           </a:xfrm>
           <a:prstGeom prst="rect">
             <a:avLst/>
@@ -4619,887 +4630,61 @@
           </a:bodyPr>
           <a:lstStyle/>
           <a:p>
-            <a:r>
-              <a:rPr kumimoji="1" lang="en-US" altLang="ja-JP" sz="7200" dirty="0"/>
-              <a:t>.delay(function(d, </a:t>
-            </a:r>
-            <a:r>
-              <a:rPr kumimoji="1" lang="en-US" altLang="ja-JP" sz="7200" dirty="0" err="1"/>
-              <a:t>i</a:t>
-            </a:r>
-            <a:r>
-              <a:rPr kumimoji="1" lang="en-US" altLang="ja-JP" sz="7200" dirty="0"/>
-              <a:t>) {</a:t>
-            </a:r>
-          </a:p>
-          <a:p>
-            <a:r>
-              <a:rPr kumimoji="1" lang="en-US" altLang="ja-JP" sz="7200" dirty="0"/>
-              <a:t>    return </a:t>
-            </a:r>
-            <a:r>
-              <a:rPr kumimoji="1" lang="en-US" altLang="ja-JP" sz="7200" dirty="0" err="1"/>
-              <a:t>i</a:t>
-            </a:r>
-            <a:r>
-              <a:rPr kumimoji="1" lang="en-US" altLang="ja-JP" sz="7200" dirty="0"/>
-              <a:t> * 50;</a:t>
-            </a:r>
-          </a:p>
-          <a:p>
-            <a:r>
-              <a:rPr kumimoji="1" lang="en-US" altLang="ja-JP" sz="7200" dirty="0"/>
-              <a:t>})</a:t>
-            </a:r>
-            <a:endParaRPr kumimoji="1" lang="ja-JP" altLang="en-US" sz="7200" dirty="0"/>
-          </a:p>
-        </p:txBody>
-      </p:sp>
-      <p:sp>
-        <p:nvSpPr>
-          <p:cNvPr id="6" name="矢印: 下 5"/>
-          <p:cNvSpPr/>
-          <p:nvPr/>
-        </p:nvSpPr>
-        <p:spPr>
-          <a:xfrm>
-            <a:off x="5543550" y="889000"/>
-            <a:ext cx="1104900" cy="1092200"/>
-          </a:xfrm>
-          <a:prstGeom prst="downArrow">
-            <a:avLst/>
-          </a:prstGeom>
-        </p:spPr>
-        <p:style>
-          <a:lnRef idx="2">
-            <a:schemeClr val="accent1">
-              <a:shade val="50000"/>
-            </a:schemeClr>
-          </a:lnRef>
-          <a:fillRef idx="1">
-            <a:schemeClr val="accent1"/>
-          </a:fillRef>
-          <a:effectRef idx="0">
-            <a:schemeClr val="accent1"/>
-          </a:effectRef>
-          <a:fontRef idx="minor">
-            <a:schemeClr val="lt1"/>
-          </a:fontRef>
-        </p:style>
-        <p:txBody>
-          <a:bodyPr rtlCol="0" anchor="ctr"/>
-          <a:lstStyle/>
-          <a:p>
-            <a:pPr algn="ctr"/>
-            <a:endParaRPr kumimoji="1" lang="ja-JP" altLang="en-US"/>
+            <a:pPr marL="1143000" indent="-1143000" algn="dist">
+              <a:buAutoNum type="arabicPeriod"/>
+            </a:pPr>
+            <a:r>
+              <a:rPr kumimoji="1" lang="ja-JP" altLang="en-US" sz="6600" dirty="0" smtClean="0"/>
+              <a:t>落ちてくる時間を早くする</a:t>
+            </a:r>
+            <a:endParaRPr kumimoji="1" lang="en-US" altLang="ja-JP" sz="6600" dirty="0" smtClean="0"/>
+          </a:p>
+          <a:p>
+            <a:pPr marL="1143000" indent="-1143000" algn="dist">
+              <a:buAutoNum type="arabicPeriod"/>
+            </a:pPr>
+            <a:r>
+              <a:rPr kumimoji="1" lang="ja-JP" altLang="en-US" sz="6600" dirty="0" smtClean="0"/>
+              <a:t>バウンドさせる</a:t>
+            </a:r>
+            <a:endParaRPr kumimoji="1" lang="en-US" altLang="ja-JP" sz="6600" dirty="0" smtClean="0"/>
+          </a:p>
+          <a:p>
+            <a:pPr marL="1143000" indent="-1143000" algn="dist">
+              <a:buAutoNum type="arabicPeriod"/>
+            </a:pPr>
+            <a:r>
+              <a:rPr kumimoji="1" lang="ja-JP" altLang="en-US" sz="6600" dirty="0" smtClean="0"/>
+              <a:t>左端から順番に落とす</a:t>
+            </a:r>
+            <a:endParaRPr kumimoji="1" lang="en-US" altLang="ja-JP" sz="6600" dirty="0" smtClean="0"/>
+          </a:p>
+          <a:p>
+            <a:pPr marL="1143000" indent="-1143000" algn="dist">
+              <a:buAutoNum type="arabicPeriod"/>
+            </a:pPr>
+            <a:r>
+              <a:rPr kumimoji="1" lang="ja-JP" altLang="en-US" sz="6600" dirty="0" smtClean="0"/>
+              <a:t>データを増やす</a:t>
+            </a:r>
+            <a:endParaRPr kumimoji="1" lang="en-US" altLang="ja-JP" sz="6600" dirty="0" smtClean="0"/>
+          </a:p>
+          <a:p>
+            <a:pPr marL="1143000" indent="-1143000" algn="dist">
+              <a:buAutoNum type="arabicPeriod"/>
+            </a:pPr>
+            <a:r>
+              <a:rPr kumimoji="1" lang="ja-JP" altLang="en-US" sz="6600" dirty="0" smtClean="0"/>
+              <a:t>おまけ</a:t>
+            </a:r>
+            <a:endParaRPr kumimoji="1" lang="ja-JP" altLang="en-US" sz="6600" dirty="0"/>
           </a:p>
         </p:txBody>
       </p:sp>
     </p:spTree>
     <p:extLst>
       <p:ext uri="{BB962C8B-B14F-4D97-AF65-F5344CB8AC3E}">
-        <p14:creationId xmlns:p14="http://schemas.microsoft.com/office/powerpoint/2010/main" val="1277711784"/>
-      </p:ext>
-    </p:extLst>
-  </p:cSld>
-  <p:clrMapOvr>
-    <a:masterClrMapping/>
-  </p:clrMapOvr>
-</p:sld>
-</file>
-
-<file path=ppt/slides/slide11.xml><?xml version="1.0" encoding="utf-8"?>
-<p:sld xmlns:a="http://schemas.openxmlformats.org/drawingml/2006/main" xmlns:r="http://schemas.openxmlformats.org/officeDocument/2006/relationships" xmlns:p="http://schemas.openxmlformats.org/presentationml/2006/main">
-  <p:cSld>
-    <p:spTree>
-      <p:nvGrpSpPr>
-        <p:cNvPr id="1" name=""/>
-        <p:cNvGrpSpPr/>
-        <p:nvPr/>
-      </p:nvGrpSpPr>
-      <p:grpSpPr>
-        <a:xfrm>
-          <a:off x="0" y="0"/>
-          <a:ext cx="0" cy="0"/>
-          <a:chOff x="0" y="0"/>
-          <a:chExt cx="0" cy="0"/>
-        </a:xfrm>
-      </p:grpSpPr>
-      <p:sp>
-        <p:nvSpPr>
-          <p:cNvPr id="2" name="日付プレースホルダー 1"/>
-          <p:cNvSpPr>
-            <a:spLocks noGrp="1"/>
-          </p:cNvSpPr>
-          <p:nvPr>
-            <p:ph type="dt" sz="half" idx="10"/>
-          </p:nvPr>
-        </p:nvSpPr>
-        <p:spPr/>
-        <p:txBody>
-          <a:bodyPr/>
-          <a:lstStyle/>
-          <a:p>
-            <a:fld id="{F8E0BC39-477C-49A9-94EA-FAC3D264471B}" type="datetime1">
-              <a:rPr lang="ja-JP" altLang="en-US" smtClean="0"/>
-              <a:t>2017/6/15</a:t>
-            </a:fld>
-            <a:endParaRPr lang="en-US" dirty="0"/>
-          </a:p>
-        </p:txBody>
-      </p:sp>
-      <p:sp>
-        <p:nvSpPr>
-          <p:cNvPr id="3" name="スライド番号プレースホルダー 2"/>
-          <p:cNvSpPr>
-            <a:spLocks noGrp="1"/>
-          </p:cNvSpPr>
-          <p:nvPr>
-            <p:ph type="sldNum" sz="quarter" idx="12"/>
-          </p:nvPr>
-        </p:nvSpPr>
-        <p:spPr/>
-        <p:txBody>
-          <a:bodyPr/>
-          <a:lstStyle/>
-          <a:p>
-            <a:fld id="{4FAB73BC-B049-4115-A692-8D63A059BFB8}" type="slidenum">
-              <a:rPr lang="en-US" smtClean="0"/>
-              <a:pPr/>
-              <a:t>11</a:t>
-            </a:fld>
-            <a:endParaRPr lang="en-US" dirty="0"/>
-          </a:p>
-        </p:txBody>
-      </p:sp>
-      <p:sp>
-        <p:nvSpPr>
-          <p:cNvPr id="6" name="矢印: 下 5"/>
-          <p:cNvSpPr/>
-          <p:nvPr/>
-        </p:nvSpPr>
-        <p:spPr>
-          <a:xfrm>
-            <a:off x="5543550" y="464071"/>
-            <a:ext cx="1104900" cy="1092200"/>
-          </a:xfrm>
-          <a:prstGeom prst="downArrow">
-            <a:avLst/>
-          </a:prstGeom>
-        </p:spPr>
-        <p:style>
-          <a:lnRef idx="2">
-            <a:schemeClr val="accent1">
-              <a:shade val="50000"/>
-            </a:schemeClr>
-          </a:lnRef>
-          <a:fillRef idx="1">
-            <a:schemeClr val="accent1"/>
-          </a:fillRef>
-          <a:effectRef idx="0">
-            <a:schemeClr val="accent1"/>
-          </a:effectRef>
-          <a:fontRef idx="minor">
-            <a:schemeClr val="lt1"/>
-          </a:fontRef>
-        </p:style>
-        <p:txBody>
-          <a:bodyPr rtlCol="0" anchor="ctr"/>
-          <a:lstStyle/>
-          <a:p>
-            <a:pPr algn="ctr"/>
-            <a:endParaRPr kumimoji="1" lang="ja-JP" altLang="en-US"/>
-          </a:p>
-        </p:txBody>
-      </p:sp>
-      <p:sp>
-        <p:nvSpPr>
-          <p:cNvPr id="8" name="正方形/長方形 7"/>
-          <p:cNvSpPr/>
-          <p:nvPr/>
-        </p:nvSpPr>
-        <p:spPr>
-          <a:xfrm>
-            <a:off x="2480450" y="1347738"/>
-            <a:ext cx="7008650" cy="4893647"/>
-          </a:xfrm>
-          <a:prstGeom prst="rect">
-            <a:avLst/>
-          </a:prstGeom>
-        </p:spPr>
-        <p:txBody>
-          <a:bodyPr wrap="none">
-            <a:spAutoFit/>
-          </a:bodyPr>
-          <a:lstStyle/>
-          <a:p>
-            <a:r>
-              <a:rPr kumimoji="1" lang="en-US" altLang="ja-JP" sz="7200" dirty="0"/>
-              <a:t> </a:t>
-            </a:r>
-            <a:r>
-              <a:rPr kumimoji="1" lang="en-US" altLang="ja-JP" sz="6000" dirty="0" err="1"/>
-              <a:t>var</a:t>
-            </a:r>
-            <a:r>
-              <a:rPr kumimoji="1" lang="en-US" altLang="ja-JP" sz="6000" dirty="0"/>
-              <a:t> dataset =[ </a:t>
-            </a:r>
-          </a:p>
-          <a:p>
-            <a:r>
-              <a:rPr kumimoji="1" lang="en-US" altLang="ja-JP" sz="6000" dirty="0"/>
-              <a:t>2,5,7,4,3,8,5,6,3,1,</a:t>
-            </a:r>
-          </a:p>
-          <a:p>
-            <a:r>
-              <a:rPr kumimoji="1" lang="en-US" altLang="ja-JP" sz="6000" dirty="0"/>
-              <a:t>2,5,7,4,3,8,5,6,3,1,</a:t>
-            </a:r>
-          </a:p>
-          <a:p>
-            <a:r>
-              <a:rPr kumimoji="1" lang="en-US" altLang="ja-JP" sz="6000" dirty="0"/>
-              <a:t>2,5,7,4,3,8,5,6,3,1,</a:t>
-            </a:r>
-          </a:p>
-          <a:p>
-            <a:r>
-              <a:rPr kumimoji="1" lang="en-US" altLang="ja-JP" sz="6000" dirty="0"/>
-              <a:t>2,5,7,4,3,8,5,6,3,1,2 ];</a:t>
-            </a:r>
-            <a:endParaRPr kumimoji="1" lang="ja-JP" altLang="en-US" sz="6000" dirty="0"/>
-          </a:p>
-        </p:txBody>
-      </p:sp>
-    </p:spTree>
-    <p:extLst>
-      <p:ext uri="{BB962C8B-B14F-4D97-AF65-F5344CB8AC3E}">
-        <p14:creationId xmlns:p14="http://schemas.microsoft.com/office/powerpoint/2010/main" val="284165480"/>
-      </p:ext>
-    </p:extLst>
-  </p:cSld>
-  <p:clrMapOvr>
-    <a:masterClrMapping/>
-  </p:clrMapOvr>
-</p:sld>
-</file>
-
-<file path=ppt/slides/slide12.xml><?xml version="1.0" encoding="utf-8"?>
-<p:sld xmlns:a="http://schemas.openxmlformats.org/drawingml/2006/main" xmlns:r="http://schemas.openxmlformats.org/officeDocument/2006/relationships" xmlns:p="http://schemas.openxmlformats.org/presentationml/2006/main">
-  <p:cSld>
-    <p:spTree>
-      <p:nvGrpSpPr>
-        <p:cNvPr id="1" name=""/>
-        <p:cNvGrpSpPr/>
-        <p:nvPr/>
-      </p:nvGrpSpPr>
-      <p:grpSpPr>
-        <a:xfrm>
-          <a:off x="0" y="0"/>
-          <a:ext cx="0" cy="0"/>
-          <a:chOff x="0" y="0"/>
-          <a:chExt cx="0" cy="0"/>
-        </a:xfrm>
-      </p:grpSpPr>
-      <p:sp>
-        <p:nvSpPr>
-          <p:cNvPr id="2" name="日付プレースホルダー 1"/>
-          <p:cNvSpPr>
-            <a:spLocks noGrp="1"/>
-          </p:cNvSpPr>
-          <p:nvPr>
-            <p:ph type="dt" sz="half" idx="10"/>
-          </p:nvPr>
-        </p:nvSpPr>
-        <p:spPr/>
-        <p:txBody>
-          <a:bodyPr/>
-          <a:lstStyle/>
-          <a:p>
-            <a:fld id="{F8E0BC39-477C-49A9-94EA-FAC3D264471B}" type="datetime1">
-              <a:rPr lang="ja-JP" altLang="en-US" smtClean="0"/>
-              <a:t>2017/6/15</a:t>
-            </a:fld>
-            <a:endParaRPr lang="en-US" dirty="0"/>
-          </a:p>
-        </p:txBody>
-      </p:sp>
-      <p:sp>
-        <p:nvSpPr>
-          <p:cNvPr id="3" name="スライド番号プレースホルダー 2"/>
-          <p:cNvSpPr>
-            <a:spLocks noGrp="1"/>
-          </p:cNvSpPr>
-          <p:nvPr>
-            <p:ph type="sldNum" sz="quarter" idx="12"/>
-          </p:nvPr>
-        </p:nvSpPr>
-        <p:spPr/>
-        <p:txBody>
-          <a:bodyPr/>
-          <a:lstStyle/>
-          <a:p>
-            <a:fld id="{4FAB73BC-B049-4115-A692-8D63A059BFB8}" type="slidenum">
-              <a:rPr lang="en-US" smtClean="0"/>
-              <a:pPr/>
-              <a:t>12</a:t>
-            </a:fld>
-            <a:endParaRPr lang="en-US" dirty="0"/>
-          </a:p>
-        </p:txBody>
-      </p:sp>
-      <p:sp>
-        <p:nvSpPr>
-          <p:cNvPr id="4" name="正方形/長方形 3"/>
-          <p:cNvSpPr/>
-          <p:nvPr/>
-        </p:nvSpPr>
-        <p:spPr>
-          <a:xfrm>
-            <a:off x="2327295" y="221234"/>
-            <a:ext cx="7573163" cy="2308324"/>
-          </a:xfrm>
-          <a:prstGeom prst="rect">
-            <a:avLst/>
-          </a:prstGeom>
-        </p:spPr>
-        <p:txBody>
-          <a:bodyPr wrap="none">
-            <a:spAutoFit/>
-          </a:bodyPr>
-          <a:lstStyle/>
-          <a:p>
-            <a:r>
-              <a:rPr kumimoji="1" lang="en-US" altLang="ja-JP" sz="7200" dirty="0"/>
-              <a:t> cx: </a:t>
-            </a:r>
-            <a:r>
-              <a:rPr kumimoji="1" lang="en-US" altLang="ja-JP" sz="7200" dirty="0">
-                <a:solidFill>
-                  <a:srgbClr val="FF0000"/>
-                </a:solidFill>
-              </a:rPr>
-              <a:t>function(d) { </a:t>
-            </a:r>
-          </a:p>
-          <a:p>
-            <a:r>
-              <a:rPr kumimoji="1" lang="en-US" altLang="ja-JP" sz="7200" dirty="0">
-                <a:solidFill>
-                  <a:srgbClr val="FF0000"/>
-                </a:solidFill>
-              </a:rPr>
-              <a:t>    return </a:t>
-            </a:r>
-            <a:r>
-              <a:rPr kumimoji="1" lang="en-US" altLang="ja-JP" sz="7200" dirty="0" err="1">
-                <a:solidFill>
-                  <a:srgbClr val="FF0000"/>
-                </a:solidFill>
-              </a:rPr>
-              <a:t>xscale</a:t>
-            </a:r>
-            <a:r>
-              <a:rPr kumimoji="1" lang="en-US" altLang="ja-JP" sz="7200" dirty="0">
-                <a:solidFill>
-                  <a:srgbClr val="FF0000"/>
-                </a:solidFill>
-              </a:rPr>
-              <a:t>(</a:t>
-            </a:r>
-            <a:r>
-              <a:rPr kumimoji="1" lang="en-US" altLang="ja-JP" sz="7200" dirty="0" err="1">
-                <a:solidFill>
-                  <a:srgbClr val="FF0000"/>
-                </a:solidFill>
-              </a:rPr>
-              <a:t>i</a:t>
-            </a:r>
-            <a:r>
-              <a:rPr kumimoji="1" lang="en-US" altLang="ja-JP" sz="7200" dirty="0">
-                <a:solidFill>
-                  <a:srgbClr val="FF0000"/>
-                </a:solidFill>
-              </a:rPr>
-              <a:t>); }</a:t>
-            </a:r>
-            <a:endParaRPr kumimoji="1" lang="ja-JP" altLang="en-US" sz="7200" dirty="0">
-              <a:solidFill>
-                <a:srgbClr val="FF0000"/>
-              </a:solidFill>
-            </a:endParaRPr>
-          </a:p>
-        </p:txBody>
-      </p:sp>
-      <p:sp>
-        <p:nvSpPr>
-          <p:cNvPr id="6" name="矢印: 下 5"/>
-          <p:cNvSpPr/>
-          <p:nvPr/>
-        </p:nvSpPr>
-        <p:spPr>
-          <a:xfrm>
-            <a:off x="5543549" y="2699271"/>
-            <a:ext cx="1104900" cy="1092200"/>
-          </a:xfrm>
-          <a:prstGeom prst="downArrow">
-            <a:avLst/>
-          </a:prstGeom>
-        </p:spPr>
-        <p:style>
-          <a:lnRef idx="2">
-            <a:schemeClr val="accent1">
-              <a:shade val="50000"/>
-            </a:schemeClr>
-          </a:lnRef>
-          <a:fillRef idx="1">
-            <a:schemeClr val="accent1"/>
-          </a:fillRef>
-          <a:effectRef idx="0">
-            <a:schemeClr val="accent1"/>
-          </a:effectRef>
-          <a:fontRef idx="minor">
-            <a:schemeClr val="lt1"/>
-          </a:fontRef>
-        </p:style>
-        <p:txBody>
-          <a:bodyPr rtlCol="0" anchor="ctr"/>
-          <a:lstStyle/>
-          <a:p>
-            <a:pPr algn="ctr"/>
-            <a:endParaRPr kumimoji="1" lang="ja-JP" altLang="en-US"/>
-          </a:p>
-        </p:txBody>
-      </p:sp>
-      <p:sp>
-        <p:nvSpPr>
-          <p:cNvPr id="7" name="正方形/長方形 6"/>
-          <p:cNvSpPr/>
-          <p:nvPr/>
-        </p:nvSpPr>
-        <p:spPr>
-          <a:xfrm>
-            <a:off x="5042665" y="4354885"/>
-            <a:ext cx="2106667" cy="1200329"/>
-          </a:xfrm>
-          <a:prstGeom prst="rect">
-            <a:avLst/>
-          </a:prstGeom>
-        </p:spPr>
-        <p:txBody>
-          <a:bodyPr wrap="none">
-            <a:spAutoFit/>
-          </a:bodyPr>
-          <a:lstStyle/>
-          <a:p>
-            <a:r>
-              <a:rPr kumimoji="1" lang="en-US" altLang="ja-JP" sz="7200" dirty="0"/>
-              <a:t> cx: </a:t>
-            </a:r>
-            <a:r>
-              <a:rPr kumimoji="1" lang="en-US" altLang="ja-JP" sz="7200" dirty="0">
-                <a:solidFill>
-                  <a:srgbClr val="FF0000"/>
-                </a:solidFill>
-              </a:rPr>
-              <a:t>0</a:t>
-            </a:r>
-            <a:endParaRPr kumimoji="1" lang="ja-JP" altLang="en-US" sz="7200" dirty="0">
-              <a:solidFill>
-                <a:srgbClr val="FF0000"/>
-              </a:solidFill>
-            </a:endParaRPr>
-          </a:p>
-        </p:txBody>
-      </p:sp>
-    </p:spTree>
-    <p:extLst>
-      <p:ext uri="{BB962C8B-B14F-4D97-AF65-F5344CB8AC3E}">
-        <p14:creationId xmlns:p14="http://schemas.microsoft.com/office/powerpoint/2010/main" val="3112619785"/>
-      </p:ext>
-    </p:extLst>
-  </p:cSld>
-  <p:clrMapOvr>
-    <a:masterClrMapping/>
-  </p:clrMapOvr>
-</p:sld>
-</file>
-
-<file path=ppt/slides/slide13.xml><?xml version="1.0" encoding="utf-8"?>
-<p:sld xmlns:a="http://schemas.openxmlformats.org/drawingml/2006/main" xmlns:r="http://schemas.openxmlformats.org/officeDocument/2006/relationships" xmlns:p="http://schemas.openxmlformats.org/presentationml/2006/main">
-  <p:cSld>
-    <p:spTree>
-      <p:nvGrpSpPr>
-        <p:cNvPr id="1" name=""/>
-        <p:cNvGrpSpPr/>
-        <p:nvPr/>
-      </p:nvGrpSpPr>
-      <p:grpSpPr>
-        <a:xfrm>
-          <a:off x="0" y="0"/>
-          <a:ext cx="0" cy="0"/>
-          <a:chOff x="0" y="0"/>
-          <a:chExt cx="0" cy="0"/>
-        </a:xfrm>
-      </p:grpSpPr>
-      <p:sp>
-        <p:nvSpPr>
-          <p:cNvPr id="2" name="日付プレースホルダー 1"/>
-          <p:cNvSpPr>
-            <a:spLocks noGrp="1"/>
-          </p:cNvSpPr>
-          <p:nvPr>
-            <p:ph type="dt" sz="half" idx="10"/>
-          </p:nvPr>
-        </p:nvSpPr>
-        <p:spPr/>
-        <p:txBody>
-          <a:bodyPr/>
-          <a:lstStyle/>
-          <a:p>
-            <a:fld id="{F8E0BC39-477C-49A9-94EA-FAC3D264471B}" type="datetime1">
-              <a:rPr lang="ja-JP" altLang="en-US" smtClean="0"/>
-              <a:t>2017/6/15</a:t>
-            </a:fld>
-            <a:endParaRPr lang="en-US" dirty="0"/>
-          </a:p>
-        </p:txBody>
-      </p:sp>
-      <p:sp>
-        <p:nvSpPr>
-          <p:cNvPr id="3" name="スライド番号プレースホルダー 2"/>
-          <p:cNvSpPr>
-            <a:spLocks noGrp="1"/>
-          </p:cNvSpPr>
-          <p:nvPr>
-            <p:ph type="sldNum" sz="quarter" idx="12"/>
-          </p:nvPr>
-        </p:nvSpPr>
-        <p:spPr/>
-        <p:txBody>
-          <a:bodyPr/>
-          <a:lstStyle/>
-          <a:p>
-            <a:fld id="{4FAB73BC-B049-4115-A692-8D63A059BFB8}" type="slidenum">
-              <a:rPr lang="en-US" smtClean="0"/>
-              <a:pPr/>
-              <a:t>13</a:t>
-            </a:fld>
-            <a:endParaRPr lang="en-US" dirty="0"/>
-          </a:p>
-        </p:txBody>
-      </p:sp>
-      <p:sp>
-        <p:nvSpPr>
-          <p:cNvPr id="4" name="正方形/長方形 3"/>
-          <p:cNvSpPr/>
-          <p:nvPr/>
-        </p:nvSpPr>
-        <p:spPr>
-          <a:xfrm>
-            <a:off x="2182108" y="1342935"/>
-            <a:ext cx="7827784" cy="4524315"/>
-          </a:xfrm>
-          <a:prstGeom prst="rect">
-            <a:avLst/>
-          </a:prstGeom>
-        </p:spPr>
-        <p:txBody>
-          <a:bodyPr wrap="none">
-            <a:spAutoFit/>
-          </a:bodyPr>
-          <a:lstStyle/>
-          <a:p>
-            <a:pPr algn="dist"/>
-            <a:r>
-              <a:rPr kumimoji="1" lang="ja-JP" altLang="en-US" sz="7200" dirty="0"/>
-              <a:t>このように</a:t>
-            </a:r>
-            <a:endParaRPr kumimoji="1" lang="en-US" altLang="ja-JP" sz="7200" dirty="0"/>
-          </a:p>
-          <a:p>
-            <a:pPr algn="dist"/>
-            <a:r>
-              <a:rPr kumimoji="1" lang="ja-JP" altLang="en-US" sz="7200" dirty="0"/>
-              <a:t>少し変えただけで</a:t>
-            </a:r>
-            <a:endParaRPr kumimoji="1" lang="en-US" altLang="ja-JP" sz="7200" dirty="0"/>
-          </a:p>
-          <a:p>
-            <a:pPr algn="dist"/>
-            <a:r>
-              <a:rPr kumimoji="1" lang="ja-JP" altLang="en-US" sz="7200" dirty="0"/>
-              <a:t>いろいろな変化を</a:t>
-            </a:r>
-            <a:endParaRPr kumimoji="1" lang="en-US" altLang="ja-JP" sz="7200" dirty="0"/>
-          </a:p>
-          <a:p>
-            <a:pPr algn="dist"/>
-            <a:r>
-              <a:rPr kumimoji="1" lang="ja-JP" altLang="en-US" sz="7200" dirty="0"/>
-              <a:t>見ることが出来ます</a:t>
-            </a:r>
-            <a:endParaRPr kumimoji="1" lang="en-US" altLang="ja-JP" sz="7200" dirty="0"/>
-          </a:p>
-        </p:txBody>
-      </p:sp>
-    </p:spTree>
-    <p:extLst>
-      <p:ext uri="{BB962C8B-B14F-4D97-AF65-F5344CB8AC3E}">
-        <p14:creationId xmlns:p14="http://schemas.microsoft.com/office/powerpoint/2010/main" val="3106487580"/>
-      </p:ext>
-    </p:extLst>
-  </p:cSld>
-  <p:clrMapOvr>
-    <a:masterClrMapping/>
-  </p:clrMapOvr>
-</p:sld>
-</file>
-
-<file path=ppt/slides/slide14.xml><?xml version="1.0" encoding="utf-8"?>
-<p:sld xmlns:a="http://schemas.openxmlformats.org/drawingml/2006/main" xmlns:r="http://schemas.openxmlformats.org/officeDocument/2006/relationships" xmlns:p="http://schemas.openxmlformats.org/presentationml/2006/main">
-  <p:cSld>
-    <p:spTree>
-      <p:nvGrpSpPr>
-        <p:cNvPr id="1" name=""/>
-        <p:cNvGrpSpPr/>
-        <p:nvPr/>
-      </p:nvGrpSpPr>
-      <p:grpSpPr>
-        <a:xfrm>
-          <a:off x="0" y="0"/>
-          <a:ext cx="0" cy="0"/>
-          <a:chOff x="0" y="0"/>
-          <a:chExt cx="0" cy="0"/>
-        </a:xfrm>
-      </p:grpSpPr>
-      <p:sp>
-        <p:nvSpPr>
-          <p:cNvPr id="2" name="日付プレースホルダー 1"/>
-          <p:cNvSpPr>
-            <a:spLocks noGrp="1"/>
-          </p:cNvSpPr>
-          <p:nvPr>
-            <p:ph type="dt" sz="half" idx="10"/>
-          </p:nvPr>
-        </p:nvSpPr>
-        <p:spPr/>
-        <p:txBody>
-          <a:bodyPr/>
-          <a:lstStyle/>
-          <a:p>
-            <a:fld id="{F8E0BC39-477C-49A9-94EA-FAC3D264471B}" type="datetime1">
-              <a:rPr lang="ja-JP" altLang="en-US" smtClean="0"/>
-              <a:t>2017/6/15</a:t>
-            </a:fld>
-            <a:endParaRPr lang="en-US" dirty="0"/>
-          </a:p>
-        </p:txBody>
-      </p:sp>
-      <p:sp>
-        <p:nvSpPr>
-          <p:cNvPr id="3" name="スライド番号プレースホルダー 2"/>
-          <p:cNvSpPr>
-            <a:spLocks noGrp="1"/>
-          </p:cNvSpPr>
-          <p:nvPr>
-            <p:ph type="sldNum" sz="quarter" idx="12"/>
-          </p:nvPr>
-        </p:nvSpPr>
-        <p:spPr/>
-        <p:txBody>
-          <a:bodyPr/>
-          <a:lstStyle/>
-          <a:p>
-            <a:fld id="{4FAB73BC-B049-4115-A692-8D63A059BFB8}" type="slidenum">
-              <a:rPr lang="en-US" smtClean="0"/>
-              <a:pPr/>
-              <a:t>14</a:t>
-            </a:fld>
-            <a:endParaRPr lang="en-US" dirty="0"/>
-          </a:p>
-        </p:txBody>
-      </p:sp>
-      <p:sp>
-        <p:nvSpPr>
-          <p:cNvPr id="4" name="正方形/長方形 3"/>
-          <p:cNvSpPr/>
-          <p:nvPr/>
-        </p:nvSpPr>
-        <p:spPr>
-          <a:xfrm>
-            <a:off x="4645924" y="2828835"/>
-            <a:ext cx="2900153" cy="1200329"/>
-          </a:xfrm>
-          <a:prstGeom prst="rect">
-            <a:avLst/>
-          </a:prstGeom>
-        </p:spPr>
-        <p:txBody>
-          <a:bodyPr wrap="none">
-            <a:spAutoFit/>
-          </a:bodyPr>
-          <a:lstStyle/>
-          <a:p>
-            <a:pPr algn="dist"/>
-            <a:r>
-              <a:rPr kumimoji="1" lang="ja-JP" altLang="en-US" sz="7200" dirty="0"/>
-              <a:t>最後に</a:t>
-            </a:r>
-          </a:p>
-        </p:txBody>
-      </p:sp>
-    </p:spTree>
-    <p:extLst>
-      <p:ext uri="{BB962C8B-B14F-4D97-AF65-F5344CB8AC3E}">
-        <p14:creationId xmlns:p14="http://schemas.microsoft.com/office/powerpoint/2010/main" val="2132777621"/>
-      </p:ext>
-    </p:extLst>
-  </p:cSld>
-  <p:clrMapOvr>
-    <a:masterClrMapping/>
-  </p:clrMapOvr>
-</p:sld>
-</file>
-
-<file path=ppt/slides/slide15.xml><?xml version="1.0" encoding="utf-8"?>
-<p:sld xmlns:a="http://schemas.openxmlformats.org/drawingml/2006/main" xmlns:r="http://schemas.openxmlformats.org/officeDocument/2006/relationships" xmlns:p="http://schemas.openxmlformats.org/presentationml/2006/main">
-  <p:cSld>
-    <p:spTree>
-      <p:nvGrpSpPr>
-        <p:cNvPr id="1" name=""/>
-        <p:cNvGrpSpPr/>
-        <p:nvPr/>
-      </p:nvGrpSpPr>
-      <p:grpSpPr>
-        <a:xfrm>
-          <a:off x="0" y="0"/>
-          <a:ext cx="0" cy="0"/>
-          <a:chOff x="0" y="0"/>
-          <a:chExt cx="0" cy="0"/>
-        </a:xfrm>
-      </p:grpSpPr>
-      <p:sp>
-        <p:nvSpPr>
-          <p:cNvPr id="2" name="タイトル 1"/>
-          <p:cNvSpPr>
-            <a:spLocks noGrp="1"/>
-          </p:cNvSpPr>
-          <p:nvPr>
-            <p:ph type="title"/>
-          </p:nvPr>
-        </p:nvSpPr>
-        <p:spPr/>
-        <p:txBody>
-          <a:bodyPr/>
-          <a:lstStyle/>
-          <a:p>
-            <a:pPr algn="ctr"/>
-            <a:r>
-              <a:rPr lang="en-US" altLang="ja-JP" dirty="0"/>
-              <a:t>D3</a:t>
-            </a:r>
-            <a:r>
-              <a:rPr lang="ja-JP" altLang="en-US" dirty="0"/>
-              <a:t>の何が好きか</a:t>
-            </a:r>
-            <a:endParaRPr kumimoji="1" lang="ja-JP" altLang="en-US" dirty="0"/>
-          </a:p>
-        </p:txBody>
-      </p:sp>
-      <p:sp>
-        <p:nvSpPr>
-          <p:cNvPr id="3" name="コンテンツ プレースホルダー 2"/>
-          <p:cNvSpPr>
-            <a:spLocks noGrp="1"/>
-          </p:cNvSpPr>
-          <p:nvPr>
-            <p:ph idx="1"/>
-          </p:nvPr>
-        </p:nvSpPr>
-        <p:spPr/>
-        <p:txBody>
-          <a:bodyPr>
-            <a:normAutofit/>
-          </a:bodyPr>
-          <a:lstStyle/>
-          <a:p>
-            <a:endParaRPr lang="en-US" altLang="ja-JP" sz="5400" dirty="0"/>
-          </a:p>
-          <a:p>
-            <a:r>
-              <a:rPr kumimoji="1" lang="ja-JP" altLang="en-US" sz="5400" dirty="0"/>
-              <a:t>・変更部分が目に見えてわかる</a:t>
-            </a:r>
-            <a:endParaRPr kumimoji="1" lang="en-US" altLang="ja-JP" sz="5400" dirty="0"/>
-          </a:p>
-          <a:p>
-            <a:endParaRPr lang="en-US" altLang="ja-JP" sz="5400" dirty="0"/>
-          </a:p>
-          <a:p>
-            <a:r>
-              <a:rPr kumimoji="1" lang="ja-JP" altLang="en-US" sz="5400" dirty="0">
-                <a:solidFill>
-                  <a:srgbClr val="FF0000"/>
-                </a:solidFill>
-              </a:rPr>
-              <a:t>・間違えたときに面白い動きをする</a:t>
-            </a:r>
-          </a:p>
-        </p:txBody>
-      </p:sp>
-      <p:sp>
-        <p:nvSpPr>
-          <p:cNvPr id="4" name="日付プレースホルダー 3"/>
-          <p:cNvSpPr>
-            <a:spLocks noGrp="1"/>
-          </p:cNvSpPr>
-          <p:nvPr>
-            <p:ph type="dt" sz="half" idx="10"/>
-          </p:nvPr>
-        </p:nvSpPr>
-        <p:spPr/>
-        <p:txBody>
-          <a:bodyPr/>
-          <a:lstStyle/>
-          <a:p>
-            <a:fld id="{9D151157-8862-4D9D-9B55-D41590D36B99}" type="datetime1">
-              <a:rPr lang="ja-JP" altLang="en-US" smtClean="0"/>
-              <a:t>2017/6/15</a:t>
-            </a:fld>
-            <a:endParaRPr lang="en-US" dirty="0"/>
-          </a:p>
-        </p:txBody>
-      </p:sp>
-      <p:sp>
-        <p:nvSpPr>
-          <p:cNvPr id="5" name="スライド番号プレースホルダー 4"/>
-          <p:cNvSpPr>
-            <a:spLocks noGrp="1"/>
-          </p:cNvSpPr>
-          <p:nvPr>
-            <p:ph type="sldNum" sz="quarter" idx="12"/>
-          </p:nvPr>
-        </p:nvSpPr>
-        <p:spPr/>
-        <p:txBody>
-          <a:bodyPr/>
-          <a:lstStyle/>
-          <a:p>
-            <a:fld id="{6113E31D-E2AB-40D1-8B51-AFA5AFEF393A}" type="slidenum">
-              <a:rPr lang="en-US" smtClean="0"/>
-              <a:t>15</a:t>
-            </a:fld>
-            <a:endParaRPr lang="en-US" dirty="0"/>
-          </a:p>
-        </p:txBody>
-      </p:sp>
-    </p:spTree>
-    <p:extLst>
-      <p:ext uri="{BB962C8B-B14F-4D97-AF65-F5344CB8AC3E}">
-        <p14:creationId xmlns:p14="http://schemas.microsoft.com/office/powerpoint/2010/main" val="2188061186"/>
+        <p14:creationId xmlns:p14="http://schemas.microsoft.com/office/powerpoint/2010/main" val="266413628"/>
       </p:ext>
     </p:extLst>
   </p:cSld>
@@ -5527,87 +4712,29 @@
                             </p:stCondLst>
                             <p:childTnLst>
                               <p:par>
-                                <p:cTn id="5" presetID="2" presetClass="entr" presetSubtype="4" fill="hold" nodeType="clickEffect">
+                                <p:cTn id="5" presetID="3" presetClass="emph" presetSubtype="2" fill="hold" nodeType="clickEffect">
                                   <p:stCondLst>
                                     <p:cond delay="0"/>
                                   </p:stCondLst>
                                   <p:childTnLst>
-                                    <p:set>
-                                      <p:cBhvr>
-                                        <p:cTn id="6" dur="1" fill="hold">
-                                          <p:stCondLst>
-                                            <p:cond delay="0"/>
-                                          </p:stCondLst>
-                                        </p:cTn>
+                                    <p:animClr clrSpc="rgb" dir="cw">
+                                      <p:cBhvr override="childStyle">
+                                        <p:cTn id="6" dur="1000" fill="hold"/>
                                         <p:tgtEl>
-                                          <p:spTgt spid="3">
+                                          <p:spTgt spid="4">
                                             <p:txEl>
-                                              <p:pRg st="3" end="3"/>
+                                              <p:pRg st="1" end="1"/>
                                             </p:txEl>
                                           </p:spTgt>
                                         </p:tgtEl>
                                         <p:attrNameLst>
-                                          <p:attrName>style.visibility</p:attrName>
+                                          <p:attrName>style.color</p:attrName>
                                         </p:attrNameLst>
                                       </p:cBhvr>
                                       <p:to>
-                                        <p:strVal val="visible"/>
+                                        <a:schemeClr val="accent2"/>
                                       </p:to>
-                                    </p:set>
-                                    <p:anim calcmode="lin" valueType="num">
-                                      <p:cBhvr additive="base">
-                                        <p:cTn id="7" dur="500" fill="hold"/>
-                                        <p:tgtEl>
-                                          <p:spTgt spid="3">
-                                            <p:txEl>
-                                              <p:pRg st="3" end="3"/>
-                                            </p:txEl>
-                                          </p:spTgt>
-                                        </p:tgtEl>
-                                        <p:attrNameLst>
-                                          <p:attrName>ppt_x</p:attrName>
-                                        </p:attrNameLst>
-                                      </p:cBhvr>
-                                      <p:tavLst>
-                                        <p:tav tm="0">
-                                          <p:val>
-                                            <p:strVal val="#ppt_x"/>
-                                          </p:val>
-                                        </p:tav>
-                                        <p:tav tm="100000">
-                                          <p:val>
-                                            <p:strVal val="#ppt_x"/>
-                                          </p:val>
-                                        </p:tav>
-                                      </p:tavLst>
-                                    </p:anim>
-                                    <p:anim calcmode="lin" valueType="num">
-                                      <p:cBhvr additive="base">
-                                        <p:cTn id="8" dur="500" fill="hold"/>
-                                        <p:tgtEl>
-                                          <p:spTgt spid="3">
-                                            <p:txEl>
-                                              <p:pRg st="3" end="3"/>
-                                            </p:txEl>
-                                          </p:spTgt>
-                                        </p:tgtEl>
-                                        <p:attrNameLst>
-                                          <p:attrName>ppt_y</p:attrName>
-                                        </p:attrNameLst>
-                                      </p:cBhvr>
-                                      <p:tavLst>
-                                        <p:tav tm="0">
-                                          <p:val>
-                                            <p:strVal val="1+#ppt_h/2"/>
-                                          </p:val>
-                                        </p:tav>
-                                        <p:tav tm="100000">
-                                          <p:val>
-                                            <p:strVal val="#ppt_y"/>
-                                          </p:val>
-                                        </p:tav>
-                                      </p:tavLst>
-                                    </p:anim>
+                                    </p:animClr>
                                   </p:childTnLst>
                                 </p:cTn>
                               </p:par>
@@ -5642,6 +4769,1026 @@
 </p:sld>
 </file>
 
+<file path=ppt/slides/slide11.xml><?xml version="1.0" encoding="utf-8"?>
+<p:sld xmlns:a="http://schemas.openxmlformats.org/drawingml/2006/main" xmlns:r="http://schemas.openxmlformats.org/officeDocument/2006/relationships" xmlns:p="http://schemas.openxmlformats.org/presentationml/2006/main">
+  <p:cSld>
+    <p:spTree>
+      <p:nvGrpSpPr>
+        <p:cNvPr id="1" name=""/>
+        <p:cNvGrpSpPr/>
+        <p:nvPr/>
+      </p:nvGrpSpPr>
+      <p:grpSpPr>
+        <a:xfrm>
+          <a:off x="0" y="0"/>
+          <a:ext cx="0" cy="0"/>
+          <a:chOff x="0" y="0"/>
+          <a:chExt cx="0" cy="0"/>
+        </a:xfrm>
+      </p:grpSpPr>
+      <p:sp>
+        <p:nvSpPr>
+          <p:cNvPr id="2" name="日付プレースホルダー 1"/>
+          <p:cNvSpPr>
+            <a:spLocks noGrp="1"/>
+          </p:cNvSpPr>
+          <p:nvPr>
+            <p:ph type="dt" sz="half" idx="10"/>
+          </p:nvPr>
+        </p:nvSpPr>
+        <p:spPr/>
+        <p:txBody>
+          <a:bodyPr/>
+          <a:lstStyle/>
+          <a:p>
+            <a:fld id="{F8E0BC39-477C-49A9-94EA-FAC3D264471B}" type="datetime1">
+              <a:rPr lang="ja-JP" altLang="en-US" smtClean="0"/>
+              <a:t>2017/6/18</a:t>
+            </a:fld>
+            <a:endParaRPr lang="en-US" dirty="0"/>
+          </a:p>
+        </p:txBody>
+      </p:sp>
+      <p:sp>
+        <p:nvSpPr>
+          <p:cNvPr id="3" name="スライド番号プレースホルダー 2"/>
+          <p:cNvSpPr>
+            <a:spLocks noGrp="1"/>
+          </p:cNvSpPr>
+          <p:nvPr>
+            <p:ph type="sldNum" sz="quarter" idx="12"/>
+          </p:nvPr>
+        </p:nvSpPr>
+        <p:spPr/>
+        <p:txBody>
+          <a:bodyPr/>
+          <a:lstStyle/>
+          <a:p>
+            <a:fld id="{4FAB73BC-B049-4115-A692-8D63A059BFB8}" type="slidenum">
+              <a:rPr lang="en-US" smtClean="0"/>
+              <a:pPr/>
+              <a:t>11</a:t>
+            </a:fld>
+            <a:endParaRPr lang="en-US" dirty="0"/>
+          </a:p>
+        </p:txBody>
+      </p:sp>
+      <p:sp>
+        <p:nvSpPr>
+          <p:cNvPr id="4" name="正方形/長方形 3"/>
+          <p:cNvSpPr/>
+          <p:nvPr/>
+        </p:nvSpPr>
+        <p:spPr>
+          <a:xfrm>
+            <a:off x="2977197" y="4327435"/>
+            <a:ext cx="6237605" cy="1200329"/>
+          </a:xfrm>
+          <a:prstGeom prst="rect">
+            <a:avLst/>
+          </a:prstGeom>
+        </p:spPr>
+        <p:txBody>
+          <a:bodyPr wrap="none">
+            <a:spAutoFit/>
+          </a:bodyPr>
+          <a:lstStyle/>
+          <a:p>
+            <a:r>
+              <a:rPr kumimoji="1" lang="en-US" altLang="ja-JP" sz="7200" dirty="0"/>
+              <a:t>.ease("</a:t>
+            </a:r>
+            <a:r>
+              <a:rPr kumimoji="1" lang="en-US" altLang="ja-JP" sz="7200" dirty="0">
+                <a:solidFill>
+                  <a:srgbClr val="FF0000"/>
+                </a:solidFill>
+              </a:rPr>
+              <a:t>bounce</a:t>
+            </a:r>
+            <a:r>
+              <a:rPr kumimoji="1" lang="en-US" altLang="ja-JP" sz="7200" dirty="0"/>
+              <a:t>")</a:t>
+            </a:r>
+            <a:endParaRPr kumimoji="1" lang="ja-JP" altLang="en-US" sz="7200" dirty="0"/>
+          </a:p>
+        </p:txBody>
+      </p:sp>
+      <p:sp>
+        <p:nvSpPr>
+          <p:cNvPr id="5" name="正方形/長方形 4"/>
+          <p:cNvSpPr/>
+          <p:nvPr/>
+        </p:nvSpPr>
+        <p:spPr>
+          <a:xfrm>
+            <a:off x="3709545" y="923836"/>
+            <a:ext cx="4772910" cy="1200329"/>
+          </a:xfrm>
+          <a:prstGeom prst="rect">
+            <a:avLst/>
+          </a:prstGeom>
+        </p:spPr>
+        <p:txBody>
+          <a:bodyPr wrap="none">
+            <a:spAutoFit/>
+          </a:bodyPr>
+          <a:lstStyle/>
+          <a:p>
+            <a:r>
+              <a:rPr kumimoji="1" lang="en-US" altLang="ja-JP" sz="7200" dirty="0"/>
+              <a:t>.ease("</a:t>
+            </a:r>
+            <a:r>
+              <a:rPr kumimoji="1" lang="en-US" altLang="ja-JP" sz="7200" dirty="0" err="1">
+                <a:solidFill>
+                  <a:srgbClr val="FF0000"/>
+                </a:solidFill>
+              </a:rPr>
+              <a:t>exp</a:t>
+            </a:r>
+            <a:r>
+              <a:rPr kumimoji="1" lang="en-US" altLang="ja-JP" sz="7200" dirty="0"/>
+              <a:t>")</a:t>
+            </a:r>
+            <a:endParaRPr kumimoji="1" lang="ja-JP" altLang="en-US" sz="7200" dirty="0"/>
+          </a:p>
+        </p:txBody>
+      </p:sp>
+      <p:sp>
+        <p:nvSpPr>
+          <p:cNvPr id="6" name="矢印: 下 5"/>
+          <p:cNvSpPr/>
+          <p:nvPr/>
+        </p:nvSpPr>
+        <p:spPr>
+          <a:xfrm>
+            <a:off x="5543549" y="2679700"/>
+            <a:ext cx="1104900" cy="1092200"/>
+          </a:xfrm>
+          <a:prstGeom prst="downArrow">
+            <a:avLst/>
+          </a:prstGeom>
+        </p:spPr>
+        <p:style>
+          <a:lnRef idx="2">
+            <a:schemeClr val="accent1">
+              <a:shade val="50000"/>
+            </a:schemeClr>
+          </a:lnRef>
+          <a:fillRef idx="1">
+            <a:schemeClr val="accent1"/>
+          </a:fillRef>
+          <a:effectRef idx="0">
+            <a:schemeClr val="accent1"/>
+          </a:effectRef>
+          <a:fontRef idx="minor">
+            <a:schemeClr val="lt1"/>
+          </a:fontRef>
+        </p:style>
+        <p:txBody>
+          <a:bodyPr rtlCol="0" anchor="ctr"/>
+          <a:lstStyle/>
+          <a:p>
+            <a:pPr algn="ctr"/>
+            <a:endParaRPr kumimoji="1" lang="ja-JP" altLang="en-US"/>
+          </a:p>
+        </p:txBody>
+      </p:sp>
+    </p:spTree>
+    <p:extLst>
+      <p:ext uri="{BB962C8B-B14F-4D97-AF65-F5344CB8AC3E}">
+        <p14:creationId xmlns:p14="http://schemas.microsoft.com/office/powerpoint/2010/main" val="2373020884"/>
+      </p:ext>
+    </p:extLst>
+  </p:cSld>
+  <p:clrMapOvr>
+    <a:masterClrMapping/>
+  </p:clrMapOvr>
+  <p:timing>
+    <p:tnLst>
+      <p:par>
+        <p:cTn id="1" dur="indefinite" restart="never" nodeType="tmRoot"/>
+      </p:par>
+    </p:tnLst>
+  </p:timing>
+</p:sld>
+</file>
+
+<file path=ppt/slides/slide12.xml><?xml version="1.0" encoding="utf-8"?>
+<p:sld xmlns:a="http://schemas.openxmlformats.org/drawingml/2006/main" xmlns:r="http://schemas.openxmlformats.org/officeDocument/2006/relationships" xmlns:p="http://schemas.openxmlformats.org/presentationml/2006/main">
+  <p:cSld>
+    <p:spTree>
+      <p:nvGrpSpPr>
+        <p:cNvPr id="1" name=""/>
+        <p:cNvGrpSpPr/>
+        <p:nvPr/>
+      </p:nvGrpSpPr>
+      <p:grpSpPr>
+        <a:xfrm>
+          <a:off x="0" y="0"/>
+          <a:ext cx="0" cy="0"/>
+          <a:chOff x="0" y="0"/>
+          <a:chExt cx="0" cy="0"/>
+        </a:xfrm>
+      </p:grpSpPr>
+      <p:sp>
+        <p:nvSpPr>
+          <p:cNvPr id="2" name="日付プレースホルダー 1"/>
+          <p:cNvSpPr>
+            <a:spLocks noGrp="1"/>
+          </p:cNvSpPr>
+          <p:nvPr>
+            <p:ph type="dt" sz="half" idx="10"/>
+          </p:nvPr>
+        </p:nvSpPr>
+        <p:spPr/>
+        <p:txBody>
+          <a:bodyPr/>
+          <a:lstStyle/>
+          <a:p>
+            <a:fld id="{F8E0BC39-477C-49A9-94EA-FAC3D264471B}" type="datetime1">
+              <a:rPr lang="ja-JP" altLang="en-US" smtClean="0"/>
+              <a:t>2017/6/18</a:t>
+            </a:fld>
+            <a:endParaRPr lang="en-US" dirty="0"/>
+          </a:p>
+        </p:txBody>
+      </p:sp>
+      <p:sp>
+        <p:nvSpPr>
+          <p:cNvPr id="3" name="スライド番号プレースホルダー 2"/>
+          <p:cNvSpPr>
+            <a:spLocks noGrp="1"/>
+          </p:cNvSpPr>
+          <p:nvPr>
+            <p:ph type="sldNum" sz="quarter" idx="12"/>
+          </p:nvPr>
+        </p:nvSpPr>
+        <p:spPr/>
+        <p:txBody>
+          <a:bodyPr/>
+          <a:lstStyle/>
+          <a:p>
+            <a:fld id="{4FAB73BC-B049-4115-A692-8D63A059BFB8}" type="slidenum">
+              <a:rPr lang="en-US" smtClean="0"/>
+              <a:pPr/>
+              <a:t>12</a:t>
+            </a:fld>
+            <a:endParaRPr lang="en-US" dirty="0"/>
+          </a:p>
+        </p:txBody>
+      </p:sp>
+      <p:sp>
+        <p:nvSpPr>
+          <p:cNvPr id="4" name="正方形/長方形 3"/>
+          <p:cNvSpPr/>
+          <p:nvPr/>
+        </p:nvSpPr>
+        <p:spPr>
+          <a:xfrm>
+            <a:off x="955122" y="379250"/>
+            <a:ext cx="10214656" cy="5170646"/>
+          </a:xfrm>
+          <a:prstGeom prst="rect">
+            <a:avLst/>
+          </a:prstGeom>
+        </p:spPr>
+        <p:txBody>
+          <a:bodyPr wrap="none">
+            <a:spAutoFit/>
+          </a:bodyPr>
+          <a:lstStyle/>
+          <a:p>
+            <a:pPr marL="1143000" indent="-1143000" algn="dist">
+              <a:buAutoNum type="arabicPeriod"/>
+            </a:pPr>
+            <a:r>
+              <a:rPr kumimoji="1" lang="ja-JP" altLang="en-US" sz="6600" dirty="0" smtClean="0"/>
+              <a:t>落ちてくる時間を早くする</a:t>
+            </a:r>
+            <a:endParaRPr kumimoji="1" lang="en-US" altLang="ja-JP" sz="6600" dirty="0" smtClean="0"/>
+          </a:p>
+          <a:p>
+            <a:pPr marL="1143000" indent="-1143000" algn="dist">
+              <a:buAutoNum type="arabicPeriod"/>
+            </a:pPr>
+            <a:r>
+              <a:rPr kumimoji="1" lang="ja-JP" altLang="en-US" sz="6600" dirty="0" smtClean="0"/>
+              <a:t>バウンドさせる</a:t>
+            </a:r>
+            <a:endParaRPr kumimoji="1" lang="en-US" altLang="ja-JP" sz="6600" dirty="0" smtClean="0"/>
+          </a:p>
+          <a:p>
+            <a:pPr marL="1143000" indent="-1143000" algn="dist">
+              <a:buAutoNum type="arabicPeriod"/>
+            </a:pPr>
+            <a:r>
+              <a:rPr kumimoji="1" lang="ja-JP" altLang="en-US" sz="6600" dirty="0" smtClean="0"/>
+              <a:t>左端から順番に落とす</a:t>
+            </a:r>
+            <a:endParaRPr kumimoji="1" lang="en-US" altLang="ja-JP" sz="6600" dirty="0" smtClean="0"/>
+          </a:p>
+          <a:p>
+            <a:pPr marL="1143000" indent="-1143000" algn="dist">
+              <a:buAutoNum type="arabicPeriod"/>
+            </a:pPr>
+            <a:r>
+              <a:rPr kumimoji="1" lang="ja-JP" altLang="en-US" sz="6600" dirty="0" smtClean="0"/>
+              <a:t>データを増やす</a:t>
+            </a:r>
+            <a:endParaRPr kumimoji="1" lang="en-US" altLang="ja-JP" sz="6600" dirty="0" smtClean="0"/>
+          </a:p>
+          <a:p>
+            <a:pPr marL="1143000" indent="-1143000" algn="dist">
+              <a:buAutoNum type="arabicPeriod"/>
+            </a:pPr>
+            <a:r>
+              <a:rPr kumimoji="1" lang="ja-JP" altLang="en-US" sz="6600" dirty="0" smtClean="0"/>
+              <a:t>おまけ</a:t>
+            </a:r>
+            <a:endParaRPr kumimoji="1" lang="ja-JP" altLang="en-US" sz="6600" dirty="0"/>
+          </a:p>
+        </p:txBody>
+      </p:sp>
+    </p:spTree>
+    <p:extLst>
+      <p:ext uri="{BB962C8B-B14F-4D97-AF65-F5344CB8AC3E}">
+        <p14:creationId xmlns:p14="http://schemas.microsoft.com/office/powerpoint/2010/main" val="1741386364"/>
+      </p:ext>
+    </p:extLst>
+  </p:cSld>
+  <p:clrMapOvr>
+    <a:masterClrMapping/>
+  </p:clrMapOvr>
+  <p:timing>
+    <p:tnLst>
+      <p:par>
+        <p:cTn id="1" dur="indefinite" restart="never" nodeType="tmRoot">
+          <p:childTnLst>
+            <p:seq concurrent="1" nextAc="seek">
+              <p:cTn id="2" dur="indefinite" nodeType="mainSeq">
+                <p:childTnLst>
+                  <p:par>
+                    <p:cTn id="3" fill="hold">
+                      <p:stCondLst>
+                        <p:cond delay="indefinite"/>
+                      </p:stCondLst>
+                      <p:childTnLst>
+                        <p:par>
+                          <p:cTn id="4" fill="hold">
+                            <p:stCondLst>
+                              <p:cond delay="0"/>
+                            </p:stCondLst>
+                            <p:childTnLst>
+                              <p:par>
+                                <p:cTn id="5" presetID="3" presetClass="emph" presetSubtype="2" fill="hold" nodeType="clickEffect">
+                                  <p:stCondLst>
+                                    <p:cond delay="0"/>
+                                  </p:stCondLst>
+                                  <p:childTnLst>
+                                    <p:animClr clrSpc="rgb" dir="cw">
+                                      <p:cBhvr override="childStyle">
+                                        <p:cTn id="6" dur="1000" fill="hold"/>
+                                        <p:tgtEl>
+                                          <p:spTgt spid="4">
+                                            <p:txEl>
+                                              <p:pRg st="2" end="2"/>
+                                            </p:txEl>
+                                          </p:spTgt>
+                                        </p:tgtEl>
+                                        <p:attrNameLst>
+                                          <p:attrName>style.color</p:attrName>
+                                        </p:attrNameLst>
+                                      </p:cBhvr>
+                                      <p:to>
+                                        <a:schemeClr val="accent2"/>
+                                      </p:to>
+                                    </p:animClr>
+                                  </p:childTnLst>
+                                </p:cTn>
+                              </p:par>
+                            </p:childTnLst>
+                          </p:cTn>
+                        </p:par>
+                      </p:childTnLst>
+                    </p:cTn>
+                  </p:par>
+                </p:childTnLst>
+              </p:cTn>
+              <p:prevCondLst>
+                <p:cond evt="onPrev" delay="0">
+                  <p:tgtEl>
+                    <p:sldTgt/>
+                  </p:tgtEl>
+                </p:cond>
+              </p:prevCondLst>
+              <p:nextCondLst>
+                <p:cond evt="onNext" delay="0">
+                  <p:tgtEl>
+                    <p:sldTgt/>
+                  </p:tgtEl>
+                </p:cond>
+              </p:nextCondLst>
+            </p:seq>
+          </p:childTnLst>
+        </p:cTn>
+      </p:par>
+    </p:tnLst>
+  </p:timing>
+</p:sld>
+</file>
+
+<file path=ppt/slides/slide13.xml><?xml version="1.0" encoding="utf-8"?>
+<p:sld xmlns:a="http://schemas.openxmlformats.org/drawingml/2006/main" xmlns:r="http://schemas.openxmlformats.org/officeDocument/2006/relationships" xmlns:p="http://schemas.openxmlformats.org/presentationml/2006/main">
+  <p:cSld>
+    <p:spTree>
+      <p:nvGrpSpPr>
+        <p:cNvPr id="1" name=""/>
+        <p:cNvGrpSpPr/>
+        <p:nvPr/>
+      </p:nvGrpSpPr>
+      <p:grpSpPr>
+        <a:xfrm>
+          <a:off x="0" y="0"/>
+          <a:ext cx="0" cy="0"/>
+          <a:chOff x="0" y="0"/>
+          <a:chExt cx="0" cy="0"/>
+        </a:xfrm>
+      </p:grpSpPr>
+      <p:sp>
+        <p:nvSpPr>
+          <p:cNvPr id="2" name="日付プレースホルダー 1"/>
+          <p:cNvSpPr>
+            <a:spLocks noGrp="1"/>
+          </p:cNvSpPr>
+          <p:nvPr>
+            <p:ph type="dt" sz="half" idx="10"/>
+          </p:nvPr>
+        </p:nvSpPr>
+        <p:spPr/>
+        <p:txBody>
+          <a:bodyPr/>
+          <a:lstStyle/>
+          <a:p>
+            <a:fld id="{F8E0BC39-477C-49A9-94EA-FAC3D264471B}" type="datetime1">
+              <a:rPr lang="ja-JP" altLang="en-US" smtClean="0"/>
+              <a:t>2017/6/18</a:t>
+            </a:fld>
+            <a:endParaRPr lang="en-US" dirty="0"/>
+          </a:p>
+        </p:txBody>
+      </p:sp>
+      <p:sp>
+        <p:nvSpPr>
+          <p:cNvPr id="3" name="スライド番号プレースホルダー 2"/>
+          <p:cNvSpPr>
+            <a:spLocks noGrp="1"/>
+          </p:cNvSpPr>
+          <p:nvPr>
+            <p:ph type="sldNum" sz="quarter" idx="12"/>
+          </p:nvPr>
+        </p:nvSpPr>
+        <p:spPr/>
+        <p:txBody>
+          <a:bodyPr/>
+          <a:lstStyle/>
+          <a:p>
+            <a:fld id="{4FAB73BC-B049-4115-A692-8D63A059BFB8}" type="slidenum">
+              <a:rPr lang="en-US" smtClean="0"/>
+              <a:pPr/>
+              <a:t>13</a:t>
+            </a:fld>
+            <a:endParaRPr lang="en-US" dirty="0"/>
+          </a:p>
+        </p:txBody>
+      </p:sp>
+      <p:sp>
+        <p:nvSpPr>
+          <p:cNvPr id="4" name="正方形/長方形 3"/>
+          <p:cNvSpPr/>
+          <p:nvPr/>
+        </p:nvSpPr>
+        <p:spPr>
+          <a:xfrm>
+            <a:off x="2079259" y="2447835"/>
+            <a:ext cx="8033481" cy="3416320"/>
+          </a:xfrm>
+          <a:prstGeom prst="rect">
+            <a:avLst/>
+          </a:prstGeom>
+        </p:spPr>
+        <p:txBody>
+          <a:bodyPr wrap="none">
+            <a:spAutoFit/>
+          </a:bodyPr>
+          <a:lstStyle/>
+          <a:p>
+            <a:r>
+              <a:rPr kumimoji="1" lang="en-US" altLang="ja-JP" sz="7200" dirty="0"/>
+              <a:t>.delay(function(d, </a:t>
+            </a:r>
+            <a:r>
+              <a:rPr kumimoji="1" lang="en-US" altLang="ja-JP" sz="7200" dirty="0" err="1"/>
+              <a:t>i</a:t>
+            </a:r>
+            <a:r>
+              <a:rPr kumimoji="1" lang="en-US" altLang="ja-JP" sz="7200" dirty="0"/>
+              <a:t>) {</a:t>
+            </a:r>
+          </a:p>
+          <a:p>
+            <a:r>
+              <a:rPr kumimoji="1" lang="en-US" altLang="ja-JP" sz="7200" dirty="0"/>
+              <a:t>    return </a:t>
+            </a:r>
+            <a:r>
+              <a:rPr kumimoji="1" lang="en-US" altLang="ja-JP" sz="7200" dirty="0" err="1"/>
+              <a:t>i</a:t>
+            </a:r>
+            <a:r>
+              <a:rPr kumimoji="1" lang="en-US" altLang="ja-JP" sz="7200" dirty="0"/>
+              <a:t> * 50;</a:t>
+            </a:r>
+          </a:p>
+          <a:p>
+            <a:r>
+              <a:rPr kumimoji="1" lang="en-US" altLang="ja-JP" sz="7200" dirty="0"/>
+              <a:t>})</a:t>
+            </a:r>
+            <a:endParaRPr kumimoji="1" lang="ja-JP" altLang="en-US" sz="7200" dirty="0"/>
+          </a:p>
+        </p:txBody>
+      </p:sp>
+      <p:sp>
+        <p:nvSpPr>
+          <p:cNvPr id="6" name="矢印: 下 5"/>
+          <p:cNvSpPr/>
+          <p:nvPr/>
+        </p:nvSpPr>
+        <p:spPr>
+          <a:xfrm>
+            <a:off x="5543550" y="889000"/>
+            <a:ext cx="1104900" cy="1092200"/>
+          </a:xfrm>
+          <a:prstGeom prst="downArrow">
+            <a:avLst/>
+          </a:prstGeom>
+        </p:spPr>
+        <p:style>
+          <a:lnRef idx="2">
+            <a:schemeClr val="accent1">
+              <a:shade val="50000"/>
+            </a:schemeClr>
+          </a:lnRef>
+          <a:fillRef idx="1">
+            <a:schemeClr val="accent1"/>
+          </a:fillRef>
+          <a:effectRef idx="0">
+            <a:schemeClr val="accent1"/>
+          </a:effectRef>
+          <a:fontRef idx="minor">
+            <a:schemeClr val="lt1"/>
+          </a:fontRef>
+        </p:style>
+        <p:txBody>
+          <a:bodyPr rtlCol="0" anchor="ctr"/>
+          <a:lstStyle/>
+          <a:p>
+            <a:pPr algn="ctr"/>
+            <a:endParaRPr kumimoji="1" lang="ja-JP" altLang="en-US"/>
+          </a:p>
+        </p:txBody>
+      </p:sp>
+    </p:spTree>
+    <p:extLst>
+      <p:ext uri="{BB962C8B-B14F-4D97-AF65-F5344CB8AC3E}">
+        <p14:creationId xmlns:p14="http://schemas.microsoft.com/office/powerpoint/2010/main" val="1277711784"/>
+      </p:ext>
+    </p:extLst>
+  </p:cSld>
+  <p:clrMapOvr>
+    <a:masterClrMapping/>
+  </p:clrMapOvr>
+  <p:timing>
+    <p:tnLst>
+      <p:par>
+        <p:cTn id="1" dur="indefinite" restart="never" nodeType="tmRoot"/>
+      </p:par>
+    </p:tnLst>
+  </p:timing>
+</p:sld>
+</file>
+
+<file path=ppt/slides/slide14.xml><?xml version="1.0" encoding="utf-8"?>
+<p:sld xmlns:a="http://schemas.openxmlformats.org/drawingml/2006/main" xmlns:r="http://schemas.openxmlformats.org/officeDocument/2006/relationships" xmlns:p="http://schemas.openxmlformats.org/presentationml/2006/main">
+  <p:cSld>
+    <p:spTree>
+      <p:nvGrpSpPr>
+        <p:cNvPr id="1" name=""/>
+        <p:cNvGrpSpPr/>
+        <p:nvPr/>
+      </p:nvGrpSpPr>
+      <p:grpSpPr>
+        <a:xfrm>
+          <a:off x="0" y="0"/>
+          <a:ext cx="0" cy="0"/>
+          <a:chOff x="0" y="0"/>
+          <a:chExt cx="0" cy="0"/>
+        </a:xfrm>
+      </p:grpSpPr>
+      <p:sp>
+        <p:nvSpPr>
+          <p:cNvPr id="2" name="日付プレースホルダー 1"/>
+          <p:cNvSpPr>
+            <a:spLocks noGrp="1"/>
+          </p:cNvSpPr>
+          <p:nvPr>
+            <p:ph type="dt" sz="half" idx="10"/>
+          </p:nvPr>
+        </p:nvSpPr>
+        <p:spPr/>
+        <p:txBody>
+          <a:bodyPr/>
+          <a:lstStyle/>
+          <a:p>
+            <a:fld id="{F8E0BC39-477C-49A9-94EA-FAC3D264471B}" type="datetime1">
+              <a:rPr lang="ja-JP" altLang="en-US" smtClean="0"/>
+              <a:t>2017/6/18</a:t>
+            </a:fld>
+            <a:endParaRPr lang="en-US" dirty="0"/>
+          </a:p>
+        </p:txBody>
+      </p:sp>
+      <p:sp>
+        <p:nvSpPr>
+          <p:cNvPr id="3" name="スライド番号プレースホルダー 2"/>
+          <p:cNvSpPr>
+            <a:spLocks noGrp="1"/>
+          </p:cNvSpPr>
+          <p:nvPr>
+            <p:ph type="sldNum" sz="quarter" idx="12"/>
+          </p:nvPr>
+        </p:nvSpPr>
+        <p:spPr/>
+        <p:txBody>
+          <a:bodyPr/>
+          <a:lstStyle/>
+          <a:p>
+            <a:fld id="{4FAB73BC-B049-4115-A692-8D63A059BFB8}" type="slidenum">
+              <a:rPr lang="en-US" smtClean="0"/>
+              <a:pPr/>
+              <a:t>14</a:t>
+            </a:fld>
+            <a:endParaRPr lang="en-US" dirty="0"/>
+          </a:p>
+        </p:txBody>
+      </p:sp>
+      <p:sp>
+        <p:nvSpPr>
+          <p:cNvPr id="4" name="正方形/長方形 3"/>
+          <p:cNvSpPr/>
+          <p:nvPr/>
+        </p:nvSpPr>
+        <p:spPr>
+          <a:xfrm>
+            <a:off x="955122" y="379250"/>
+            <a:ext cx="10214656" cy="5170646"/>
+          </a:xfrm>
+          <a:prstGeom prst="rect">
+            <a:avLst/>
+          </a:prstGeom>
+        </p:spPr>
+        <p:txBody>
+          <a:bodyPr wrap="none">
+            <a:spAutoFit/>
+          </a:bodyPr>
+          <a:lstStyle/>
+          <a:p>
+            <a:pPr marL="1143000" indent="-1143000" algn="dist">
+              <a:buAutoNum type="arabicPeriod"/>
+            </a:pPr>
+            <a:r>
+              <a:rPr kumimoji="1" lang="ja-JP" altLang="en-US" sz="6600" dirty="0" smtClean="0"/>
+              <a:t>落ちてくる時間を早くする</a:t>
+            </a:r>
+            <a:endParaRPr kumimoji="1" lang="en-US" altLang="ja-JP" sz="6600" dirty="0" smtClean="0"/>
+          </a:p>
+          <a:p>
+            <a:pPr marL="1143000" indent="-1143000" algn="dist">
+              <a:buAutoNum type="arabicPeriod"/>
+            </a:pPr>
+            <a:r>
+              <a:rPr kumimoji="1" lang="ja-JP" altLang="en-US" sz="6600" dirty="0" smtClean="0"/>
+              <a:t>バウンドさせる</a:t>
+            </a:r>
+            <a:endParaRPr kumimoji="1" lang="en-US" altLang="ja-JP" sz="6600" dirty="0" smtClean="0"/>
+          </a:p>
+          <a:p>
+            <a:pPr marL="1143000" indent="-1143000" algn="dist">
+              <a:buAutoNum type="arabicPeriod"/>
+            </a:pPr>
+            <a:r>
+              <a:rPr kumimoji="1" lang="ja-JP" altLang="en-US" sz="6600" dirty="0" smtClean="0"/>
+              <a:t>左端から順番に落とす</a:t>
+            </a:r>
+            <a:endParaRPr kumimoji="1" lang="en-US" altLang="ja-JP" sz="6600" dirty="0" smtClean="0"/>
+          </a:p>
+          <a:p>
+            <a:pPr marL="1143000" indent="-1143000" algn="dist">
+              <a:buAutoNum type="arabicPeriod"/>
+            </a:pPr>
+            <a:r>
+              <a:rPr kumimoji="1" lang="ja-JP" altLang="en-US" sz="6600" dirty="0" smtClean="0"/>
+              <a:t>データを増やす</a:t>
+            </a:r>
+            <a:endParaRPr kumimoji="1" lang="en-US" altLang="ja-JP" sz="6600" dirty="0" smtClean="0"/>
+          </a:p>
+          <a:p>
+            <a:pPr marL="1143000" indent="-1143000" algn="dist">
+              <a:buAutoNum type="arabicPeriod"/>
+            </a:pPr>
+            <a:r>
+              <a:rPr kumimoji="1" lang="ja-JP" altLang="en-US" sz="6600" dirty="0" smtClean="0"/>
+              <a:t>おまけ</a:t>
+            </a:r>
+            <a:endParaRPr kumimoji="1" lang="ja-JP" altLang="en-US" sz="6600" dirty="0"/>
+          </a:p>
+        </p:txBody>
+      </p:sp>
+    </p:spTree>
+    <p:extLst>
+      <p:ext uri="{BB962C8B-B14F-4D97-AF65-F5344CB8AC3E}">
+        <p14:creationId xmlns:p14="http://schemas.microsoft.com/office/powerpoint/2010/main" val="2784131781"/>
+      </p:ext>
+    </p:extLst>
+  </p:cSld>
+  <p:clrMapOvr>
+    <a:masterClrMapping/>
+  </p:clrMapOvr>
+  <p:timing>
+    <p:tnLst>
+      <p:par>
+        <p:cTn id="1" dur="indefinite" restart="never" nodeType="tmRoot">
+          <p:childTnLst>
+            <p:seq concurrent="1" nextAc="seek">
+              <p:cTn id="2" dur="indefinite" nodeType="mainSeq">
+                <p:childTnLst>
+                  <p:par>
+                    <p:cTn id="3" fill="hold">
+                      <p:stCondLst>
+                        <p:cond delay="indefinite"/>
+                      </p:stCondLst>
+                      <p:childTnLst>
+                        <p:par>
+                          <p:cTn id="4" fill="hold">
+                            <p:stCondLst>
+                              <p:cond delay="0"/>
+                            </p:stCondLst>
+                            <p:childTnLst>
+                              <p:par>
+                                <p:cTn id="5" presetID="3" presetClass="emph" presetSubtype="2" fill="hold" nodeType="clickEffect">
+                                  <p:stCondLst>
+                                    <p:cond delay="0"/>
+                                  </p:stCondLst>
+                                  <p:childTnLst>
+                                    <p:animClr clrSpc="rgb" dir="cw">
+                                      <p:cBhvr override="childStyle">
+                                        <p:cTn id="6" dur="1000" fill="hold"/>
+                                        <p:tgtEl>
+                                          <p:spTgt spid="4">
+                                            <p:txEl>
+                                              <p:pRg st="3" end="3"/>
+                                            </p:txEl>
+                                          </p:spTgt>
+                                        </p:tgtEl>
+                                        <p:attrNameLst>
+                                          <p:attrName>style.color</p:attrName>
+                                        </p:attrNameLst>
+                                      </p:cBhvr>
+                                      <p:to>
+                                        <a:schemeClr val="accent2"/>
+                                      </p:to>
+                                    </p:animClr>
+                                  </p:childTnLst>
+                                </p:cTn>
+                              </p:par>
+                            </p:childTnLst>
+                          </p:cTn>
+                        </p:par>
+                      </p:childTnLst>
+                    </p:cTn>
+                  </p:par>
+                </p:childTnLst>
+              </p:cTn>
+              <p:prevCondLst>
+                <p:cond evt="onPrev" delay="0">
+                  <p:tgtEl>
+                    <p:sldTgt/>
+                  </p:tgtEl>
+                </p:cond>
+              </p:prevCondLst>
+              <p:nextCondLst>
+                <p:cond evt="onNext" delay="0">
+                  <p:tgtEl>
+                    <p:sldTgt/>
+                  </p:tgtEl>
+                </p:cond>
+              </p:nextCondLst>
+            </p:seq>
+          </p:childTnLst>
+        </p:cTn>
+      </p:par>
+    </p:tnLst>
+  </p:timing>
+</p:sld>
+</file>
+
+<file path=ppt/slides/slide15.xml><?xml version="1.0" encoding="utf-8"?>
+<p:sld xmlns:a="http://schemas.openxmlformats.org/drawingml/2006/main" xmlns:r="http://schemas.openxmlformats.org/officeDocument/2006/relationships" xmlns:p="http://schemas.openxmlformats.org/presentationml/2006/main">
+  <p:cSld>
+    <p:spTree>
+      <p:nvGrpSpPr>
+        <p:cNvPr id="1" name=""/>
+        <p:cNvGrpSpPr/>
+        <p:nvPr/>
+      </p:nvGrpSpPr>
+      <p:grpSpPr>
+        <a:xfrm>
+          <a:off x="0" y="0"/>
+          <a:ext cx="0" cy="0"/>
+          <a:chOff x="0" y="0"/>
+          <a:chExt cx="0" cy="0"/>
+        </a:xfrm>
+      </p:grpSpPr>
+      <p:sp>
+        <p:nvSpPr>
+          <p:cNvPr id="2" name="日付プレースホルダー 1"/>
+          <p:cNvSpPr>
+            <a:spLocks noGrp="1"/>
+          </p:cNvSpPr>
+          <p:nvPr>
+            <p:ph type="dt" sz="half" idx="10"/>
+          </p:nvPr>
+        </p:nvSpPr>
+        <p:spPr/>
+        <p:txBody>
+          <a:bodyPr/>
+          <a:lstStyle/>
+          <a:p>
+            <a:fld id="{F8E0BC39-477C-49A9-94EA-FAC3D264471B}" type="datetime1">
+              <a:rPr lang="ja-JP" altLang="en-US" smtClean="0"/>
+              <a:t>2017/6/18</a:t>
+            </a:fld>
+            <a:endParaRPr lang="en-US" dirty="0"/>
+          </a:p>
+        </p:txBody>
+      </p:sp>
+      <p:sp>
+        <p:nvSpPr>
+          <p:cNvPr id="3" name="スライド番号プレースホルダー 2"/>
+          <p:cNvSpPr>
+            <a:spLocks noGrp="1"/>
+          </p:cNvSpPr>
+          <p:nvPr>
+            <p:ph type="sldNum" sz="quarter" idx="12"/>
+          </p:nvPr>
+        </p:nvSpPr>
+        <p:spPr/>
+        <p:txBody>
+          <a:bodyPr/>
+          <a:lstStyle/>
+          <a:p>
+            <a:fld id="{4FAB73BC-B049-4115-A692-8D63A059BFB8}" type="slidenum">
+              <a:rPr lang="en-US" smtClean="0"/>
+              <a:pPr/>
+              <a:t>15</a:t>
+            </a:fld>
+            <a:endParaRPr lang="en-US" dirty="0"/>
+          </a:p>
+        </p:txBody>
+      </p:sp>
+      <p:sp>
+        <p:nvSpPr>
+          <p:cNvPr id="6" name="矢印: 下 5"/>
+          <p:cNvSpPr/>
+          <p:nvPr/>
+        </p:nvSpPr>
+        <p:spPr>
+          <a:xfrm>
+            <a:off x="5543550" y="464071"/>
+            <a:ext cx="1104900" cy="1092200"/>
+          </a:xfrm>
+          <a:prstGeom prst="downArrow">
+            <a:avLst/>
+          </a:prstGeom>
+        </p:spPr>
+        <p:style>
+          <a:lnRef idx="2">
+            <a:schemeClr val="accent1">
+              <a:shade val="50000"/>
+            </a:schemeClr>
+          </a:lnRef>
+          <a:fillRef idx="1">
+            <a:schemeClr val="accent1"/>
+          </a:fillRef>
+          <a:effectRef idx="0">
+            <a:schemeClr val="accent1"/>
+          </a:effectRef>
+          <a:fontRef idx="minor">
+            <a:schemeClr val="lt1"/>
+          </a:fontRef>
+        </p:style>
+        <p:txBody>
+          <a:bodyPr rtlCol="0" anchor="ctr"/>
+          <a:lstStyle/>
+          <a:p>
+            <a:pPr algn="ctr"/>
+            <a:endParaRPr kumimoji="1" lang="ja-JP" altLang="en-US"/>
+          </a:p>
+        </p:txBody>
+      </p:sp>
+      <p:sp>
+        <p:nvSpPr>
+          <p:cNvPr id="8" name="正方形/長方形 7"/>
+          <p:cNvSpPr/>
+          <p:nvPr/>
+        </p:nvSpPr>
+        <p:spPr>
+          <a:xfrm>
+            <a:off x="2480450" y="1347738"/>
+            <a:ext cx="7008650" cy="4893647"/>
+          </a:xfrm>
+          <a:prstGeom prst="rect">
+            <a:avLst/>
+          </a:prstGeom>
+        </p:spPr>
+        <p:txBody>
+          <a:bodyPr wrap="none">
+            <a:spAutoFit/>
+          </a:bodyPr>
+          <a:lstStyle/>
+          <a:p>
+            <a:r>
+              <a:rPr kumimoji="1" lang="en-US" altLang="ja-JP" sz="7200" dirty="0"/>
+              <a:t> </a:t>
+            </a:r>
+            <a:r>
+              <a:rPr kumimoji="1" lang="en-US" altLang="ja-JP" sz="6000" dirty="0" err="1"/>
+              <a:t>var</a:t>
+            </a:r>
+            <a:r>
+              <a:rPr kumimoji="1" lang="en-US" altLang="ja-JP" sz="6000" dirty="0"/>
+              <a:t> dataset =[ </a:t>
+            </a:r>
+          </a:p>
+          <a:p>
+            <a:r>
+              <a:rPr kumimoji="1" lang="en-US" altLang="ja-JP" sz="6000" dirty="0"/>
+              <a:t>2,5,7,4,3,8,5,6,3,1,</a:t>
+            </a:r>
+          </a:p>
+          <a:p>
+            <a:r>
+              <a:rPr kumimoji="1" lang="en-US" altLang="ja-JP" sz="6000" dirty="0"/>
+              <a:t>2,5,7,4,3,8,5,6,3,1,</a:t>
+            </a:r>
+          </a:p>
+          <a:p>
+            <a:r>
+              <a:rPr kumimoji="1" lang="en-US" altLang="ja-JP" sz="6000" dirty="0"/>
+              <a:t>2,5,7,4,3,8,5,6,3,1,</a:t>
+            </a:r>
+          </a:p>
+          <a:p>
+            <a:r>
+              <a:rPr kumimoji="1" lang="en-US" altLang="ja-JP" sz="6000" dirty="0"/>
+              <a:t>2,5,7,4,3,8,5,6,3,1,2 ];</a:t>
+            </a:r>
+            <a:endParaRPr kumimoji="1" lang="ja-JP" altLang="en-US" sz="6000" dirty="0"/>
+          </a:p>
+        </p:txBody>
+      </p:sp>
+    </p:spTree>
+    <p:extLst>
+      <p:ext uri="{BB962C8B-B14F-4D97-AF65-F5344CB8AC3E}">
+        <p14:creationId xmlns:p14="http://schemas.microsoft.com/office/powerpoint/2010/main" val="284165480"/>
+      </p:ext>
+    </p:extLst>
+  </p:cSld>
+  <p:clrMapOvr>
+    <a:masterClrMapping/>
+  </p:clrMapOvr>
+  <p:timing>
+    <p:tnLst>
+      <p:par>
+        <p:cTn id="1" dur="indefinite" restart="never" nodeType="tmRoot"/>
+      </p:par>
+    </p:tnLst>
+  </p:timing>
+</p:sld>
+</file>
+
 <file path=ppt/slides/slide16.xml><?xml version="1.0" encoding="utf-8"?>
 <p:sld xmlns:a="http://schemas.openxmlformats.org/drawingml/2006/main" xmlns:r="http://schemas.openxmlformats.org/officeDocument/2006/relationships" xmlns:p="http://schemas.openxmlformats.org/presentationml/2006/main">
   <p:cSld>
@@ -5676,7 +5823,7 @@
           <a:p>
             <a:fld id="{F8E0BC39-477C-49A9-94EA-FAC3D264471B}" type="datetime1">
               <a:rPr lang="ja-JP" altLang="en-US" smtClean="0"/>
-              <a:t>2017/6/15</a:t>
+              <a:t>2017/6/18</a:t>
             </a:fld>
             <a:endParaRPr lang="en-US" dirty="0"/>
           </a:p>
@@ -5714,8 +5861,8 @@
         </p:nvSpPr>
         <p:spPr>
           <a:xfrm>
-            <a:off x="299382" y="2828835"/>
-            <a:ext cx="11593238" cy="1200329"/>
+            <a:off x="955122" y="379250"/>
+            <a:ext cx="10214656" cy="5170646"/>
           </a:xfrm>
           <a:prstGeom prst="rect">
             <a:avLst/>
@@ -5727,24 +5874,680 @@
           </a:bodyPr>
           <a:lstStyle/>
           <a:p>
-            <a:pPr algn="dist"/>
-            <a:r>
-              <a:rPr kumimoji="1" lang="ja-JP" altLang="en-US" sz="7200" dirty="0"/>
-              <a:t>ご清聴ありがとうございました</a:t>
-            </a:r>
+            <a:pPr marL="1143000" indent="-1143000" algn="dist">
+              <a:buAutoNum type="arabicPeriod"/>
+            </a:pPr>
+            <a:r>
+              <a:rPr kumimoji="1" lang="ja-JP" altLang="en-US" sz="6600" dirty="0" smtClean="0"/>
+              <a:t>落ちてくる時間を早くする</a:t>
+            </a:r>
+            <a:endParaRPr kumimoji="1" lang="en-US" altLang="ja-JP" sz="6600" dirty="0" smtClean="0"/>
+          </a:p>
+          <a:p>
+            <a:pPr marL="1143000" indent="-1143000" algn="dist">
+              <a:buAutoNum type="arabicPeriod"/>
+            </a:pPr>
+            <a:r>
+              <a:rPr kumimoji="1" lang="ja-JP" altLang="en-US" sz="6600" dirty="0" smtClean="0"/>
+              <a:t>バウンドさせる</a:t>
+            </a:r>
+            <a:endParaRPr kumimoji="1" lang="en-US" altLang="ja-JP" sz="6600" dirty="0" smtClean="0"/>
+          </a:p>
+          <a:p>
+            <a:pPr marL="1143000" indent="-1143000" algn="dist">
+              <a:buAutoNum type="arabicPeriod"/>
+            </a:pPr>
+            <a:r>
+              <a:rPr kumimoji="1" lang="ja-JP" altLang="en-US" sz="6600" dirty="0" smtClean="0"/>
+              <a:t>左端から順番に落とす</a:t>
+            </a:r>
+            <a:endParaRPr kumimoji="1" lang="en-US" altLang="ja-JP" sz="6600" dirty="0" smtClean="0"/>
+          </a:p>
+          <a:p>
+            <a:pPr marL="1143000" indent="-1143000" algn="dist">
+              <a:buAutoNum type="arabicPeriod"/>
+            </a:pPr>
+            <a:r>
+              <a:rPr kumimoji="1" lang="ja-JP" altLang="en-US" sz="6600" dirty="0" smtClean="0"/>
+              <a:t>データを増やす</a:t>
+            </a:r>
+            <a:endParaRPr kumimoji="1" lang="en-US" altLang="ja-JP" sz="6600" dirty="0" smtClean="0"/>
+          </a:p>
+          <a:p>
+            <a:pPr marL="1143000" indent="-1143000" algn="dist">
+              <a:buAutoNum type="arabicPeriod"/>
+            </a:pPr>
+            <a:r>
+              <a:rPr kumimoji="1" lang="ja-JP" altLang="en-US" sz="6600" dirty="0" smtClean="0"/>
+              <a:t>おまけ</a:t>
+            </a:r>
+            <a:endParaRPr kumimoji="1" lang="ja-JP" altLang="en-US" sz="6600" dirty="0"/>
           </a:p>
         </p:txBody>
       </p:sp>
     </p:spTree>
     <p:extLst>
       <p:ext uri="{BB962C8B-B14F-4D97-AF65-F5344CB8AC3E}">
-        <p14:creationId xmlns:p14="http://schemas.microsoft.com/office/powerpoint/2010/main" val="3779533640"/>
+        <p14:creationId xmlns:p14="http://schemas.microsoft.com/office/powerpoint/2010/main" val="3699888388"/>
       </p:ext>
     </p:extLst>
   </p:cSld>
   <p:clrMapOvr>
     <a:masterClrMapping/>
   </p:clrMapOvr>
+  <p:timing>
+    <p:tnLst>
+      <p:par>
+        <p:cTn id="1" dur="indefinite" restart="never" nodeType="tmRoot">
+          <p:childTnLst>
+            <p:seq concurrent="1" nextAc="seek">
+              <p:cTn id="2" dur="indefinite" nodeType="mainSeq">
+                <p:childTnLst>
+                  <p:par>
+                    <p:cTn id="3" fill="hold">
+                      <p:stCondLst>
+                        <p:cond delay="indefinite"/>
+                      </p:stCondLst>
+                      <p:childTnLst>
+                        <p:par>
+                          <p:cTn id="4" fill="hold">
+                            <p:stCondLst>
+                              <p:cond delay="0"/>
+                            </p:stCondLst>
+                            <p:childTnLst>
+                              <p:par>
+                                <p:cTn id="5" presetID="3" presetClass="emph" presetSubtype="2" fill="hold" nodeType="clickEffect">
+                                  <p:stCondLst>
+                                    <p:cond delay="0"/>
+                                  </p:stCondLst>
+                                  <p:childTnLst>
+                                    <p:animClr clrSpc="rgb" dir="cw">
+                                      <p:cBhvr override="childStyle">
+                                        <p:cTn id="6" dur="1000" fill="hold"/>
+                                        <p:tgtEl>
+                                          <p:spTgt spid="4">
+                                            <p:txEl>
+                                              <p:pRg st="4" end="4"/>
+                                            </p:txEl>
+                                          </p:spTgt>
+                                        </p:tgtEl>
+                                        <p:attrNameLst>
+                                          <p:attrName>style.color</p:attrName>
+                                        </p:attrNameLst>
+                                      </p:cBhvr>
+                                      <p:to>
+                                        <a:schemeClr val="accent2"/>
+                                      </p:to>
+                                    </p:animClr>
+                                  </p:childTnLst>
+                                </p:cTn>
+                              </p:par>
+                            </p:childTnLst>
+                          </p:cTn>
+                        </p:par>
+                      </p:childTnLst>
+                    </p:cTn>
+                  </p:par>
+                </p:childTnLst>
+              </p:cTn>
+              <p:prevCondLst>
+                <p:cond evt="onPrev" delay="0">
+                  <p:tgtEl>
+                    <p:sldTgt/>
+                  </p:tgtEl>
+                </p:cond>
+              </p:prevCondLst>
+              <p:nextCondLst>
+                <p:cond evt="onNext" delay="0">
+                  <p:tgtEl>
+                    <p:sldTgt/>
+                  </p:tgtEl>
+                </p:cond>
+              </p:nextCondLst>
+            </p:seq>
+          </p:childTnLst>
+        </p:cTn>
+      </p:par>
+    </p:tnLst>
+  </p:timing>
+</p:sld>
+</file>
+
+<file path=ppt/slides/slide17.xml><?xml version="1.0" encoding="utf-8"?>
+<p:sld xmlns:a="http://schemas.openxmlformats.org/drawingml/2006/main" xmlns:r="http://schemas.openxmlformats.org/officeDocument/2006/relationships" xmlns:p="http://schemas.openxmlformats.org/presentationml/2006/main">
+  <p:cSld>
+    <p:spTree>
+      <p:nvGrpSpPr>
+        <p:cNvPr id="1" name=""/>
+        <p:cNvGrpSpPr/>
+        <p:nvPr/>
+      </p:nvGrpSpPr>
+      <p:grpSpPr>
+        <a:xfrm>
+          <a:off x="0" y="0"/>
+          <a:ext cx="0" cy="0"/>
+          <a:chOff x="0" y="0"/>
+          <a:chExt cx="0" cy="0"/>
+        </a:xfrm>
+      </p:grpSpPr>
+      <p:sp>
+        <p:nvSpPr>
+          <p:cNvPr id="2" name="日付プレースホルダー 1"/>
+          <p:cNvSpPr>
+            <a:spLocks noGrp="1"/>
+          </p:cNvSpPr>
+          <p:nvPr>
+            <p:ph type="dt" sz="half" idx="10"/>
+          </p:nvPr>
+        </p:nvSpPr>
+        <p:spPr/>
+        <p:txBody>
+          <a:bodyPr/>
+          <a:lstStyle/>
+          <a:p>
+            <a:fld id="{F8E0BC39-477C-49A9-94EA-FAC3D264471B}" type="datetime1">
+              <a:rPr lang="ja-JP" altLang="en-US" smtClean="0"/>
+              <a:t>2017/6/18</a:t>
+            </a:fld>
+            <a:endParaRPr lang="en-US" dirty="0"/>
+          </a:p>
+        </p:txBody>
+      </p:sp>
+      <p:sp>
+        <p:nvSpPr>
+          <p:cNvPr id="3" name="スライド番号プレースホルダー 2"/>
+          <p:cNvSpPr>
+            <a:spLocks noGrp="1"/>
+          </p:cNvSpPr>
+          <p:nvPr>
+            <p:ph type="sldNum" sz="quarter" idx="12"/>
+          </p:nvPr>
+        </p:nvSpPr>
+        <p:spPr/>
+        <p:txBody>
+          <a:bodyPr/>
+          <a:lstStyle/>
+          <a:p>
+            <a:fld id="{4FAB73BC-B049-4115-A692-8D63A059BFB8}" type="slidenum">
+              <a:rPr lang="en-US" smtClean="0"/>
+              <a:pPr/>
+              <a:t>17</a:t>
+            </a:fld>
+            <a:endParaRPr lang="en-US" dirty="0"/>
+          </a:p>
+        </p:txBody>
+      </p:sp>
+      <p:sp>
+        <p:nvSpPr>
+          <p:cNvPr id="4" name="正方形/長方形 3"/>
+          <p:cNvSpPr/>
+          <p:nvPr/>
+        </p:nvSpPr>
+        <p:spPr>
+          <a:xfrm>
+            <a:off x="2327295" y="221234"/>
+            <a:ext cx="7573163" cy="2308324"/>
+          </a:xfrm>
+          <a:prstGeom prst="rect">
+            <a:avLst/>
+          </a:prstGeom>
+        </p:spPr>
+        <p:txBody>
+          <a:bodyPr wrap="none">
+            <a:spAutoFit/>
+          </a:bodyPr>
+          <a:lstStyle/>
+          <a:p>
+            <a:r>
+              <a:rPr kumimoji="1" lang="en-US" altLang="ja-JP" sz="7200" dirty="0"/>
+              <a:t> cx: </a:t>
+            </a:r>
+            <a:r>
+              <a:rPr kumimoji="1" lang="en-US" altLang="ja-JP" sz="7200" dirty="0">
+                <a:solidFill>
+                  <a:srgbClr val="FF0000"/>
+                </a:solidFill>
+              </a:rPr>
+              <a:t>function(d) { </a:t>
+            </a:r>
+          </a:p>
+          <a:p>
+            <a:r>
+              <a:rPr kumimoji="1" lang="en-US" altLang="ja-JP" sz="7200" dirty="0">
+                <a:solidFill>
+                  <a:srgbClr val="FF0000"/>
+                </a:solidFill>
+              </a:rPr>
+              <a:t>    return </a:t>
+            </a:r>
+            <a:r>
+              <a:rPr kumimoji="1" lang="en-US" altLang="ja-JP" sz="7200" dirty="0" err="1">
+                <a:solidFill>
+                  <a:srgbClr val="FF0000"/>
+                </a:solidFill>
+              </a:rPr>
+              <a:t>xscale</a:t>
+            </a:r>
+            <a:r>
+              <a:rPr kumimoji="1" lang="en-US" altLang="ja-JP" sz="7200" dirty="0">
+                <a:solidFill>
+                  <a:srgbClr val="FF0000"/>
+                </a:solidFill>
+              </a:rPr>
+              <a:t>(</a:t>
+            </a:r>
+            <a:r>
+              <a:rPr kumimoji="1" lang="en-US" altLang="ja-JP" sz="7200" dirty="0" err="1">
+                <a:solidFill>
+                  <a:srgbClr val="FF0000"/>
+                </a:solidFill>
+              </a:rPr>
+              <a:t>i</a:t>
+            </a:r>
+            <a:r>
+              <a:rPr kumimoji="1" lang="en-US" altLang="ja-JP" sz="7200" dirty="0">
+                <a:solidFill>
+                  <a:srgbClr val="FF0000"/>
+                </a:solidFill>
+              </a:rPr>
+              <a:t>); }</a:t>
+            </a:r>
+            <a:endParaRPr kumimoji="1" lang="ja-JP" altLang="en-US" sz="7200" dirty="0">
+              <a:solidFill>
+                <a:srgbClr val="FF0000"/>
+              </a:solidFill>
+            </a:endParaRPr>
+          </a:p>
+        </p:txBody>
+      </p:sp>
+      <p:sp>
+        <p:nvSpPr>
+          <p:cNvPr id="6" name="矢印: 下 5"/>
+          <p:cNvSpPr/>
+          <p:nvPr/>
+        </p:nvSpPr>
+        <p:spPr>
+          <a:xfrm>
+            <a:off x="5543549" y="2699271"/>
+            <a:ext cx="1104900" cy="1092200"/>
+          </a:xfrm>
+          <a:prstGeom prst="downArrow">
+            <a:avLst/>
+          </a:prstGeom>
+        </p:spPr>
+        <p:style>
+          <a:lnRef idx="2">
+            <a:schemeClr val="accent1">
+              <a:shade val="50000"/>
+            </a:schemeClr>
+          </a:lnRef>
+          <a:fillRef idx="1">
+            <a:schemeClr val="accent1"/>
+          </a:fillRef>
+          <a:effectRef idx="0">
+            <a:schemeClr val="accent1"/>
+          </a:effectRef>
+          <a:fontRef idx="minor">
+            <a:schemeClr val="lt1"/>
+          </a:fontRef>
+        </p:style>
+        <p:txBody>
+          <a:bodyPr rtlCol="0" anchor="ctr"/>
+          <a:lstStyle/>
+          <a:p>
+            <a:pPr algn="ctr"/>
+            <a:endParaRPr kumimoji="1" lang="ja-JP" altLang="en-US"/>
+          </a:p>
+        </p:txBody>
+      </p:sp>
+      <p:sp>
+        <p:nvSpPr>
+          <p:cNvPr id="7" name="正方形/長方形 6"/>
+          <p:cNvSpPr/>
+          <p:nvPr/>
+        </p:nvSpPr>
+        <p:spPr>
+          <a:xfrm>
+            <a:off x="5042665" y="4354885"/>
+            <a:ext cx="2106667" cy="1200329"/>
+          </a:xfrm>
+          <a:prstGeom prst="rect">
+            <a:avLst/>
+          </a:prstGeom>
+        </p:spPr>
+        <p:txBody>
+          <a:bodyPr wrap="none">
+            <a:spAutoFit/>
+          </a:bodyPr>
+          <a:lstStyle/>
+          <a:p>
+            <a:r>
+              <a:rPr kumimoji="1" lang="en-US" altLang="ja-JP" sz="7200" dirty="0"/>
+              <a:t> cx: </a:t>
+            </a:r>
+            <a:r>
+              <a:rPr kumimoji="1" lang="en-US" altLang="ja-JP" sz="7200" dirty="0">
+                <a:solidFill>
+                  <a:srgbClr val="FF0000"/>
+                </a:solidFill>
+              </a:rPr>
+              <a:t>0</a:t>
+            </a:r>
+            <a:endParaRPr kumimoji="1" lang="ja-JP" altLang="en-US" sz="7200" dirty="0">
+              <a:solidFill>
+                <a:srgbClr val="FF0000"/>
+              </a:solidFill>
+            </a:endParaRPr>
+          </a:p>
+        </p:txBody>
+      </p:sp>
+    </p:spTree>
+    <p:extLst>
+      <p:ext uri="{BB962C8B-B14F-4D97-AF65-F5344CB8AC3E}">
+        <p14:creationId xmlns:p14="http://schemas.microsoft.com/office/powerpoint/2010/main" val="3112619785"/>
+      </p:ext>
+    </p:extLst>
+  </p:cSld>
+  <p:clrMapOvr>
+    <a:masterClrMapping/>
+  </p:clrMapOvr>
+  <p:timing>
+    <p:tnLst>
+      <p:par>
+        <p:cTn id="1" dur="indefinite" restart="never" nodeType="tmRoot"/>
+      </p:par>
+    </p:tnLst>
+  </p:timing>
+</p:sld>
+</file>
+
+<file path=ppt/slides/slide18.xml><?xml version="1.0" encoding="utf-8"?>
+<p:sld xmlns:a="http://schemas.openxmlformats.org/drawingml/2006/main" xmlns:r="http://schemas.openxmlformats.org/officeDocument/2006/relationships" xmlns:p="http://schemas.openxmlformats.org/presentationml/2006/main">
+  <p:cSld>
+    <p:spTree>
+      <p:nvGrpSpPr>
+        <p:cNvPr id="1" name=""/>
+        <p:cNvGrpSpPr/>
+        <p:nvPr/>
+      </p:nvGrpSpPr>
+      <p:grpSpPr>
+        <a:xfrm>
+          <a:off x="0" y="0"/>
+          <a:ext cx="0" cy="0"/>
+          <a:chOff x="0" y="0"/>
+          <a:chExt cx="0" cy="0"/>
+        </a:xfrm>
+      </p:grpSpPr>
+      <p:sp>
+        <p:nvSpPr>
+          <p:cNvPr id="2" name="タイトル 1"/>
+          <p:cNvSpPr>
+            <a:spLocks noGrp="1"/>
+          </p:cNvSpPr>
+          <p:nvPr>
+            <p:ph type="title"/>
+          </p:nvPr>
+        </p:nvSpPr>
+        <p:spPr/>
+        <p:txBody>
+          <a:bodyPr/>
+          <a:lstStyle/>
+          <a:p>
+            <a:pPr algn="ctr"/>
+            <a:r>
+              <a:rPr lang="ja-JP" altLang="en-US" dirty="0" smtClean="0"/>
+              <a:t>ポイント１</a:t>
+            </a:r>
+            <a:endParaRPr kumimoji="1" lang="ja-JP" altLang="en-US" dirty="0"/>
+          </a:p>
+        </p:txBody>
+      </p:sp>
+      <p:sp>
+        <p:nvSpPr>
+          <p:cNvPr id="3" name="コンテンツ プレースホルダー 2"/>
+          <p:cNvSpPr>
+            <a:spLocks noGrp="1"/>
+          </p:cNvSpPr>
+          <p:nvPr>
+            <p:ph idx="1"/>
+          </p:nvPr>
+        </p:nvSpPr>
+        <p:spPr/>
+        <p:txBody>
+          <a:bodyPr>
+            <a:normAutofit/>
+          </a:bodyPr>
+          <a:lstStyle/>
+          <a:p>
+            <a:endParaRPr lang="en-US" altLang="ja-JP" sz="5400" dirty="0"/>
+          </a:p>
+          <a:p>
+            <a:r>
+              <a:rPr lang="ja-JP" altLang="en-US" sz="5400" dirty="0"/>
+              <a:t>・一部を変更する</a:t>
+            </a:r>
+            <a:r>
+              <a:rPr lang="ja-JP" altLang="en-US" sz="5400" dirty="0" smtClean="0"/>
+              <a:t>だけこんなに変わる</a:t>
+            </a:r>
+            <a:endParaRPr lang="en-US" altLang="ja-JP" sz="5400" dirty="0"/>
+          </a:p>
+        </p:txBody>
+      </p:sp>
+      <p:sp>
+        <p:nvSpPr>
+          <p:cNvPr id="4" name="日付プレースホルダー 3"/>
+          <p:cNvSpPr>
+            <a:spLocks noGrp="1"/>
+          </p:cNvSpPr>
+          <p:nvPr>
+            <p:ph type="dt" sz="half" idx="10"/>
+          </p:nvPr>
+        </p:nvSpPr>
+        <p:spPr/>
+        <p:txBody>
+          <a:bodyPr/>
+          <a:lstStyle/>
+          <a:p>
+            <a:fld id="{9D151157-8862-4D9D-9B55-D41590D36B99}" type="datetime1">
+              <a:rPr lang="ja-JP" altLang="en-US" smtClean="0"/>
+              <a:t>2017/6/18</a:t>
+            </a:fld>
+            <a:endParaRPr lang="en-US" dirty="0"/>
+          </a:p>
+        </p:txBody>
+      </p:sp>
+      <p:sp>
+        <p:nvSpPr>
+          <p:cNvPr id="5" name="スライド番号プレースホルダー 4"/>
+          <p:cNvSpPr>
+            <a:spLocks noGrp="1"/>
+          </p:cNvSpPr>
+          <p:nvPr>
+            <p:ph type="sldNum" sz="quarter" idx="12"/>
+          </p:nvPr>
+        </p:nvSpPr>
+        <p:spPr/>
+        <p:txBody>
+          <a:bodyPr/>
+          <a:lstStyle/>
+          <a:p>
+            <a:fld id="{6113E31D-E2AB-40D1-8B51-AFA5AFEF393A}" type="slidenum">
+              <a:rPr lang="en-US" smtClean="0"/>
+              <a:t>18</a:t>
+            </a:fld>
+            <a:endParaRPr lang="en-US" dirty="0"/>
+          </a:p>
+        </p:txBody>
+      </p:sp>
+    </p:spTree>
+    <p:extLst>
+      <p:ext uri="{BB962C8B-B14F-4D97-AF65-F5344CB8AC3E}">
+        <p14:creationId xmlns:p14="http://schemas.microsoft.com/office/powerpoint/2010/main" val="2188061186"/>
+      </p:ext>
+    </p:extLst>
+  </p:cSld>
+  <p:clrMapOvr>
+    <a:masterClrMapping/>
+  </p:clrMapOvr>
+  <p:timing>
+    <p:tnLst>
+      <p:par>
+        <p:cTn id="1" dur="indefinite" restart="never" nodeType="tmRoot"/>
+      </p:par>
+    </p:tnLst>
+  </p:timing>
+</p:sld>
+</file>
+
+<file path=ppt/slides/slide19.xml><?xml version="1.0" encoding="utf-8"?>
+<p:sld xmlns:a="http://schemas.openxmlformats.org/drawingml/2006/main" xmlns:r="http://schemas.openxmlformats.org/officeDocument/2006/relationships" xmlns:p="http://schemas.openxmlformats.org/presentationml/2006/main">
+  <p:cSld>
+    <p:spTree>
+      <p:nvGrpSpPr>
+        <p:cNvPr id="1" name=""/>
+        <p:cNvGrpSpPr/>
+        <p:nvPr/>
+      </p:nvGrpSpPr>
+      <p:grpSpPr>
+        <a:xfrm>
+          <a:off x="0" y="0"/>
+          <a:ext cx="0" cy="0"/>
+          <a:chOff x="0" y="0"/>
+          <a:chExt cx="0" cy="0"/>
+        </a:xfrm>
+      </p:grpSpPr>
+      <p:sp>
+        <p:nvSpPr>
+          <p:cNvPr id="2" name="タイトル 1"/>
+          <p:cNvSpPr>
+            <a:spLocks noGrp="1"/>
+          </p:cNvSpPr>
+          <p:nvPr>
+            <p:ph type="title"/>
+          </p:nvPr>
+        </p:nvSpPr>
+        <p:spPr/>
+        <p:txBody>
+          <a:bodyPr/>
+          <a:lstStyle/>
+          <a:p>
+            <a:pPr algn="ctr"/>
+            <a:r>
+              <a:rPr lang="ja-JP" altLang="en-US" dirty="0" smtClean="0"/>
+              <a:t>ポイント２</a:t>
+            </a:r>
+            <a:endParaRPr kumimoji="1" lang="ja-JP" altLang="en-US" dirty="0"/>
+          </a:p>
+        </p:txBody>
+      </p:sp>
+      <p:sp>
+        <p:nvSpPr>
+          <p:cNvPr id="3" name="コンテンツ プレースホルダー 2"/>
+          <p:cNvSpPr>
+            <a:spLocks noGrp="1"/>
+          </p:cNvSpPr>
+          <p:nvPr>
+            <p:ph idx="1"/>
+          </p:nvPr>
+        </p:nvSpPr>
+        <p:spPr/>
+        <p:txBody>
+          <a:bodyPr>
+            <a:normAutofit/>
+          </a:bodyPr>
+          <a:lstStyle/>
+          <a:p>
+            <a:endParaRPr lang="en-US" altLang="ja-JP" sz="5400" dirty="0"/>
+          </a:p>
+          <a:p>
+            <a:r>
+              <a:rPr lang="ja-JP" altLang="en-US" sz="5400" dirty="0" smtClean="0">
+                <a:solidFill>
+                  <a:srgbClr val="FF0000"/>
+                </a:solidFill>
+              </a:rPr>
+              <a:t>・間違えた</a:t>
+            </a:r>
+            <a:r>
+              <a:rPr lang="ja-JP" altLang="en-US" sz="5400" dirty="0">
+                <a:solidFill>
+                  <a:srgbClr val="FF0000"/>
+                </a:solidFill>
+              </a:rPr>
+              <a:t>ときに面白い動きをする</a:t>
+            </a:r>
+            <a:endParaRPr lang="ja-JP" altLang="en-US" sz="5400" dirty="0">
+              <a:solidFill>
+                <a:srgbClr val="FF0000"/>
+              </a:solidFill>
+            </a:endParaRPr>
+          </a:p>
+        </p:txBody>
+      </p:sp>
+      <p:sp>
+        <p:nvSpPr>
+          <p:cNvPr id="4" name="日付プレースホルダー 3"/>
+          <p:cNvSpPr>
+            <a:spLocks noGrp="1"/>
+          </p:cNvSpPr>
+          <p:nvPr>
+            <p:ph type="dt" sz="half" idx="10"/>
+          </p:nvPr>
+        </p:nvSpPr>
+        <p:spPr/>
+        <p:txBody>
+          <a:bodyPr/>
+          <a:lstStyle/>
+          <a:p>
+            <a:fld id="{9D151157-8862-4D9D-9B55-D41590D36B99}" type="datetime1">
+              <a:rPr lang="ja-JP" altLang="en-US" smtClean="0"/>
+              <a:t>2017/6/19</a:t>
+            </a:fld>
+            <a:endParaRPr lang="en-US" dirty="0"/>
+          </a:p>
+        </p:txBody>
+      </p:sp>
+      <p:sp>
+        <p:nvSpPr>
+          <p:cNvPr id="5" name="スライド番号プレースホルダー 4"/>
+          <p:cNvSpPr>
+            <a:spLocks noGrp="1"/>
+          </p:cNvSpPr>
+          <p:nvPr>
+            <p:ph type="sldNum" sz="quarter" idx="12"/>
+          </p:nvPr>
+        </p:nvSpPr>
+        <p:spPr/>
+        <p:txBody>
+          <a:bodyPr/>
+          <a:lstStyle/>
+          <a:p>
+            <a:fld id="{6113E31D-E2AB-40D1-8B51-AFA5AFEF393A}" type="slidenum">
+              <a:rPr lang="en-US" smtClean="0"/>
+              <a:t>19</a:t>
+            </a:fld>
+            <a:endParaRPr lang="en-US" dirty="0"/>
+          </a:p>
+        </p:txBody>
+      </p:sp>
+    </p:spTree>
+    <p:extLst>
+      <p:ext uri="{BB962C8B-B14F-4D97-AF65-F5344CB8AC3E}">
+        <p14:creationId xmlns:p14="http://schemas.microsoft.com/office/powerpoint/2010/main" val="2730908106"/>
+      </p:ext>
+    </p:extLst>
+  </p:cSld>
+  <p:clrMapOvr>
+    <a:masterClrMapping/>
+  </p:clrMapOvr>
+  <p:timing>
+    <p:tnLst>
+      <p:par>
+        <p:cTn id="1" dur="indefinite" restart="never" nodeType="tmRoot"/>
+      </p:par>
+    </p:tnLst>
+  </p:timing>
 </p:sld>
 </file>
 
@@ -5782,7 +6585,7 @@
           <a:p>
             <a:fld id="{F8E0BC39-477C-49A9-94EA-FAC3D264471B}" type="datetime1">
               <a:rPr lang="ja-JP" altLang="en-US" smtClean="0"/>
-              <a:t>2017/6/15</a:t>
+              <a:t>2017/6/18</a:t>
             </a:fld>
             <a:endParaRPr lang="en-US" dirty="0"/>
           </a:p>
@@ -5855,6 +6658,271 @@
   <p:clrMapOvr>
     <a:masterClrMapping/>
   </p:clrMapOvr>
+  <p:timing>
+    <p:tnLst>
+      <p:par>
+        <p:cTn id="1" dur="indefinite" restart="never" nodeType="tmRoot"/>
+      </p:par>
+    </p:tnLst>
+  </p:timing>
+</p:sld>
+</file>
+
+<file path=ppt/slides/slide20.xml><?xml version="1.0" encoding="utf-8"?>
+<p:sld xmlns:a="http://schemas.openxmlformats.org/drawingml/2006/main" xmlns:r="http://schemas.openxmlformats.org/officeDocument/2006/relationships" xmlns:p="http://schemas.openxmlformats.org/presentationml/2006/main">
+  <p:cSld>
+    <p:spTree>
+      <p:nvGrpSpPr>
+        <p:cNvPr id="1" name=""/>
+        <p:cNvGrpSpPr/>
+        <p:nvPr/>
+      </p:nvGrpSpPr>
+      <p:grpSpPr>
+        <a:xfrm>
+          <a:off x="0" y="0"/>
+          <a:ext cx="0" cy="0"/>
+          <a:chOff x="0" y="0"/>
+          <a:chExt cx="0" cy="0"/>
+        </a:xfrm>
+      </p:grpSpPr>
+      <p:sp>
+        <p:nvSpPr>
+          <p:cNvPr id="2" name="タイトル 1"/>
+          <p:cNvSpPr>
+            <a:spLocks noGrp="1"/>
+          </p:cNvSpPr>
+          <p:nvPr>
+            <p:ph type="title"/>
+          </p:nvPr>
+        </p:nvSpPr>
+        <p:spPr/>
+        <p:txBody>
+          <a:bodyPr/>
+          <a:lstStyle/>
+          <a:p>
+            <a:pPr algn="ctr"/>
+            <a:r>
+              <a:rPr lang="ja-JP" altLang="en-US" dirty="0" smtClean="0"/>
+              <a:t>伝えたいこと</a:t>
+            </a:r>
+            <a:endParaRPr kumimoji="1" lang="ja-JP" altLang="en-US" dirty="0"/>
+          </a:p>
+        </p:txBody>
+      </p:sp>
+      <p:sp>
+        <p:nvSpPr>
+          <p:cNvPr id="3" name="コンテンツ プレースホルダー 2"/>
+          <p:cNvSpPr>
+            <a:spLocks noGrp="1"/>
+          </p:cNvSpPr>
+          <p:nvPr>
+            <p:ph idx="1"/>
+          </p:nvPr>
+        </p:nvSpPr>
+        <p:spPr/>
+        <p:txBody>
+          <a:bodyPr>
+            <a:normAutofit/>
+          </a:bodyPr>
+          <a:lstStyle/>
+          <a:p>
+            <a:endParaRPr lang="en-US" altLang="ja-JP" sz="5400" dirty="0"/>
+          </a:p>
+          <a:p>
+            <a:r>
+              <a:rPr lang="ja-JP" altLang="en-US" sz="5400" dirty="0" smtClean="0"/>
+              <a:t>・間違えてもしょげない</a:t>
+            </a:r>
+            <a:endParaRPr lang="en-US" altLang="ja-JP" sz="5400" dirty="0" smtClean="0"/>
+          </a:p>
+          <a:p>
+            <a:endParaRPr lang="en-US" altLang="ja-JP" sz="5400" dirty="0" smtClean="0"/>
+          </a:p>
+          <a:p>
+            <a:r>
+              <a:rPr lang="ja-JP" altLang="en-US" sz="5400" dirty="0" smtClean="0"/>
+              <a:t>・楽しい部分を見つける</a:t>
+            </a:r>
+            <a:endParaRPr lang="en-US" altLang="ja-JP" sz="5400" dirty="0"/>
+          </a:p>
+        </p:txBody>
+      </p:sp>
+      <p:sp>
+        <p:nvSpPr>
+          <p:cNvPr id="4" name="日付プレースホルダー 3"/>
+          <p:cNvSpPr>
+            <a:spLocks noGrp="1"/>
+          </p:cNvSpPr>
+          <p:nvPr>
+            <p:ph type="dt" sz="half" idx="10"/>
+          </p:nvPr>
+        </p:nvSpPr>
+        <p:spPr/>
+        <p:txBody>
+          <a:bodyPr/>
+          <a:lstStyle/>
+          <a:p>
+            <a:fld id="{9D151157-8862-4D9D-9B55-D41590D36B99}" type="datetime1">
+              <a:rPr lang="ja-JP" altLang="en-US" smtClean="0"/>
+              <a:t>2017/6/19</a:t>
+            </a:fld>
+            <a:endParaRPr lang="en-US" dirty="0"/>
+          </a:p>
+        </p:txBody>
+      </p:sp>
+      <p:sp>
+        <p:nvSpPr>
+          <p:cNvPr id="5" name="スライド番号プレースホルダー 4"/>
+          <p:cNvSpPr>
+            <a:spLocks noGrp="1"/>
+          </p:cNvSpPr>
+          <p:nvPr>
+            <p:ph type="sldNum" sz="quarter" idx="12"/>
+          </p:nvPr>
+        </p:nvSpPr>
+        <p:spPr/>
+        <p:txBody>
+          <a:bodyPr/>
+          <a:lstStyle/>
+          <a:p>
+            <a:fld id="{6113E31D-E2AB-40D1-8B51-AFA5AFEF393A}" type="slidenum">
+              <a:rPr lang="en-US" smtClean="0"/>
+              <a:t>20</a:t>
+            </a:fld>
+            <a:endParaRPr lang="en-US" dirty="0"/>
+          </a:p>
+        </p:txBody>
+      </p:sp>
+    </p:spTree>
+    <p:extLst>
+      <p:ext uri="{BB962C8B-B14F-4D97-AF65-F5344CB8AC3E}">
+        <p14:creationId xmlns:p14="http://schemas.microsoft.com/office/powerpoint/2010/main" val="132909866"/>
+      </p:ext>
+    </p:extLst>
+  </p:cSld>
+  <p:clrMapOvr>
+    <a:masterClrMapping/>
+  </p:clrMapOvr>
+  <p:timing>
+    <p:tnLst>
+      <p:par>
+        <p:cTn id="1" dur="indefinite" restart="never" nodeType="tmRoot"/>
+      </p:par>
+    </p:tnLst>
+  </p:timing>
+</p:sld>
+</file>
+
+<file path=ppt/slides/slide21.xml><?xml version="1.0" encoding="utf-8"?>
+<p:sld xmlns:a="http://schemas.openxmlformats.org/drawingml/2006/main" xmlns:r="http://schemas.openxmlformats.org/officeDocument/2006/relationships" xmlns:p="http://schemas.openxmlformats.org/presentationml/2006/main">
+  <p:cSld>
+    <p:spTree>
+      <p:nvGrpSpPr>
+        <p:cNvPr id="1" name=""/>
+        <p:cNvGrpSpPr/>
+        <p:nvPr/>
+      </p:nvGrpSpPr>
+      <p:grpSpPr>
+        <a:xfrm>
+          <a:off x="0" y="0"/>
+          <a:ext cx="0" cy="0"/>
+          <a:chOff x="0" y="0"/>
+          <a:chExt cx="0" cy="0"/>
+        </a:xfrm>
+      </p:grpSpPr>
+      <p:sp>
+        <p:nvSpPr>
+          <p:cNvPr id="2" name="日付プレースホルダー 1"/>
+          <p:cNvSpPr>
+            <a:spLocks noGrp="1"/>
+          </p:cNvSpPr>
+          <p:nvPr>
+            <p:ph type="dt" sz="half" idx="10"/>
+          </p:nvPr>
+        </p:nvSpPr>
+        <p:spPr/>
+        <p:txBody>
+          <a:bodyPr/>
+          <a:lstStyle/>
+          <a:p>
+            <a:fld id="{F8E0BC39-477C-49A9-94EA-FAC3D264471B}" type="datetime1">
+              <a:rPr lang="ja-JP" altLang="en-US" smtClean="0"/>
+              <a:t>2017/6/18</a:t>
+            </a:fld>
+            <a:endParaRPr lang="en-US" dirty="0"/>
+          </a:p>
+        </p:txBody>
+      </p:sp>
+      <p:sp>
+        <p:nvSpPr>
+          <p:cNvPr id="3" name="スライド番号プレースホルダー 2"/>
+          <p:cNvSpPr>
+            <a:spLocks noGrp="1"/>
+          </p:cNvSpPr>
+          <p:nvPr>
+            <p:ph type="sldNum" sz="quarter" idx="12"/>
+          </p:nvPr>
+        </p:nvSpPr>
+        <p:spPr/>
+        <p:txBody>
+          <a:bodyPr/>
+          <a:lstStyle/>
+          <a:p>
+            <a:fld id="{4FAB73BC-B049-4115-A692-8D63A059BFB8}" type="slidenum">
+              <a:rPr lang="en-US" smtClean="0"/>
+              <a:pPr/>
+              <a:t>21</a:t>
+            </a:fld>
+            <a:endParaRPr lang="en-US" dirty="0"/>
+          </a:p>
+        </p:txBody>
+      </p:sp>
+      <p:sp>
+        <p:nvSpPr>
+          <p:cNvPr id="4" name="正方形/長方形 3"/>
+          <p:cNvSpPr/>
+          <p:nvPr/>
+        </p:nvSpPr>
+        <p:spPr>
+          <a:xfrm>
+            <a:off x="299382" y="2828835"/>
+            <a:ext cx="11593238" cy="1200329"/>
+          </a:xfrm>
+          <a:prstGeom prst="rect">
+            <a:avLst/>
+          </a:prstGeom>
+        </p:spPr>
+        <p:txBody>
+          <a:bodyPr wrap="none">
+            <a:spAutoFit/>
+          </a:bodyPr>
+          <a:lstStyle/>
+          <a:p>
+            <a:pPr algn="dist"/>
+            <a:r>
+              <a:rPr kumimoji="1" lang="ja-JP" altLang="en-US" sz="7200" dirty="0"/>
+              <a:t>ご清聴ありがとうございました</a:t>
+            </a:r>
+          </a:p>
+        </p:txBody>
+      </p:sp>
+    </p:spTree>
+    <p:extLst>
+      <p:ext uri="{BB962C8B-B14F-4D97-AF65-F5344CB8AC3E}">
+        <p14:creationId xmlns:p14="http://schemas.microsoft.com/office/powerpoint/2010/main" val="3779533640"/>
+      </p:ext>
+    </p:extLst>
+  </p:cSld>
+  <p:clrMapOvr>
+    <a:masterClrMapping/>
+  </p:clrMapOvr>
+  <p:timing>
+    <p:tnLst>
+      <p:par>
+        <p:cTn id="1" dur="indefinite" restart="never" nodeType="tmRoot"/>
+      </p:par>
+    </p:tnLst>
+  </p:timing>
 </p:sld>
 </file>
 
@@ -5892,7 +6960,7 @@
           <a:p>
             <a:fld id="{F8E0BC39-477C-49A9-94EA-FAC3D264471B}" type="datetime1">
               <a:rPr lang="ja-JP" altLang="en-US" smtClean="0"/>
-              <a:t>2017/6/15</a:t>
+              <a:t>2017/6/18</a:t>
             </a:fld>
             <a:endParaRPr lang="en-US" dirty="0"/>
           </a:p>
@@ -5931,7 +6999,7 @@
         <p:spPr>
           <a:xfrm>
             <a:off x="1039167" y="916970"/>
-            <a:ext cx="10113666" cy="5262979"/>
+            <a:ext cx="10481652" cy="5262979"/>
           </a:xfrm>
           <a:prstGeom prst="rect">
             <a:avLst/>
@@ -5989,50 +7057,66 @@
           </a:p>
           <a:p>
             <a:r>
+              <a:rPr lang="ja-JP" altLang="en-US" sz="2800" b="1" dirty="0">
+                <a:solidFill>
+                  <a:srgbClr val="FF0000"/>
+                </a:solidFill>
+              </a:rPr>
+              <a:t>動的コンテンツを描画する</a:t>
+            </a:r>
+            <a:r>
+              <a:rPr lang="en-US" altLang="ja-JP" sz="2800" b="1" dirty="0">
+                <a:solidFill>
+                  <a:srgbClr val="FF0000"/>
+                </a:solidFill>
+              </a:rPr>
+              <a:t>JavaScript</a:t>
+            </a:r>
+            <a:r>
+              <a:rPr lang="ja-JP" altLang="en-US" sz="2800" b="1" dirty="0">
+                <a:solidFill>
+                  <a:srgbClr val="FF0000"/>
+                </a:solidFill>
+              </a:rPr>
+              <a:t>ライブラリである。</a:t>
+            </a:r>
+            <a:r>
               <a:rPr lang="ja-JP" altLang="en-US" sz="2800" b="1" dirty="0"/>
-              <a:t>動的コンテンツを描画する</a:t>
+              <a:t> </a:t>
+            </a:r>
+          </a:p>
+          <a:p>
+            <a:r>
+              <a:rPr lang="en-US" altLang="ja-JP" sz="2800" b="1" dirty="0"/>
+              <a:t>World Wide Web Consortium</a:t>
+            </a:r>
+            <a:r>
+              <a:rPr lang="ja-JP" altLang="en-US" sz="2800" b="1" dirty="0"/>
+              <a:t>準拠のデータ可視化ツールとして、</a:t>
+            </a:r>
+          </a:p>
+          <a:p>
+            <a:r>
+              <a:rPr lang="en-US" altLang="ja-JP" sz="2800" b="1" dirty="0"/>
+              <a:t>Scalable Vector Graphics</a:t>
+            </a:r>
+            <a:r>
+              <a:rPr lang="ja-JP" altLang="en-US" sz="2800" b="1" dirty="0"/>
+              <a:t>（</a:t>
+            </a:r>
+            <a:r>
+              <a:rPr lang="en-US" altLang="ja-JP" sz="2800" b="1" dirty="0"/>
+              <a:t>SVG</a:t>
+            </a:r>
+            <a:r>
+              <a:rPr lang="ja-JP" altLang="en-US" sz="2800" b="1" dirty="0"/>
+              <a:t>）、</a:t>
             </a:r>
             <a:r>
               <a:rPr lang="en-US" altLang="ja-JP" sz="2800" b="1" dirty="0"/>
               <a:t>JavaScript</a:t>
             </a:r>
             <a:r>
-              <a:rPr lang="ja-JP" altLang="en-US" sz="2800" b="1" dirty="0"/>
-              <a:t>ライブラリである。 </a:t>
-            </a:r>
-          </a:p>
-          <a:p>
-            <a:r>
-              <a:rPr lang="en-US" altLang="ja-JP" sz="2800" b="1" dirty="0"/>
-              <a:t>World Wide Web Consortium</a:t>
-            </a:r>
-            <a:r>
-              <a:rPr lang="ja-JP" altLang="en-US" sz="2800" b="1" dirty="0"/>
-              <a:t>準拠のデータ可視化ツールとして、</a:t>
-            </a:r>
-          </a:p>
-          <a:p>
-            <a:r>
-              <a:rPr lang="en-US" altLang="ja-JP" sz="2800" b="1" dirty="0"/>
-              <a:t>Scalable Vector Graphics</a:t>
-            </a:r>
-            <a:r>
-              <a:rPr lang="ja-JP" altLang="en-US" sz="2800" b="1" dirty="0"/>
-              <a:t>（</a:t>
-            </a:r>
-            <a:r>
-              <a:rPr lang="en-US" altLang="ja-JP" sz="2800" b="1" dirty="0"/>
-              <a:t>SVG</a:t>
-            </a:r>
-            <a:r>
-              <a:rPr lang="ja-JP" altLang="en-US" sz="2800" b="1" dirty="0"/>
-              <a:t>）、</a:t>
-            </a:r>
-            <a:r>
-              <a:rPr lang="en-US" altLang="ja-JP" sz="2800" b="1" dirty="0"/>
-              <a:t>JavaScript</a:t>
-            </a:r>
-            <a:r>
               <a:rPr lang="ja-JP" altLang="en-US" sz="2800" b="1" dirty="0" err="1"/>
               <a:t>、</a:t>
             </a:r>
@@ -6115,9 +7199,21 @@
           <a:p>
             <a:r>
               <a:rPr lang="ja-JP" altLang="en-US" sz="2800" b="1" dirty="0"/>
-              <a:t>ウェブマッピングなどに採用されている。</a:t>
-            </a:r>
-            <a:endParaRPr kumimoji="1" lang="ja-JP" altLang="en-US" sz="2800" dirty="0"/>
+              <a:t>ウェブマッピングなどに採用されている</a:t>
+            </a:r>
+            <a:r>
+              <a:rPr lang="ja-JP" altLang="en-US" sz="2800" b="1" dirty="0" smtClean="0"/>
+              <a:t>。</a:t>
+            </a:r>
+            <a:r>
+              <a:rPr lang="en-US" altLang="ja-JP" sz="2800" b="1" dirty="0" smtClean="0"/>
+              <a:t>					Wikipedia</a:t>
+            </a:r>
+            <a:r>
+              <a:rPr lang="ja-JP" altLang="en-US" sz="2800" b="1" dirty="0" smtClean="0"/>
+              <a:t>より</a:t>
+            </a:r>
+            <a:endParaRPr lang="en-US" altLang="ja-JP" sz="2800" dirty="0"/>
           </a:p>
         </p:txBody>
       </p:sp>
@@ -6292,7 +7388,7 @@
           <a:p>
             <a:fld id="{F8E0BC39-477C-49A9-94EA-FAC3D264471B}" type="datetime1">
               <a:rPr lang="ja-JP" altLang="en-US" smtClean="0"/>
-              <a:t>2017/6/15</a:t>
+              <a:t>2017/6/18</a:t>
             </a:fld>
             <a:endParaRPr lang="en-US" dirty="0"/>
           </a:p>
@@ -6369,6 +7465,13 @@
   <p:clrMapOvr>
     <a:masterClrMapping/>
   </p:clrMapOvr>
+  <p:timing>
+    <p:tnLst>
+      <p:par>
+        <p:cTn id="1" dur="indefinite" restart="never" nodeType="tmRoot"/>
+      </p:par>
+    </p:tnLst>
+  </p:timing>
 </p:sld>
 </file>
 
@@ -6406,7 +7509,7 @@
           <a:p>
             <a:fld id="{F8E0BC39-477C-49A9-94EA-FAC3D264471B}" type="datetime1">
               <a:rPr lang="ja-JP" altLang="en-US" smtClean="0"/>
-              <a:t>2017/6/15</a:t>
+              <a:t>2017/6/18</a:t>
             </a:fld>
             <a:endParaRPr lang="en-US" dirty="0"/>
           </a:p>
@@ -6475,6 +7578,13 @@
   <p:clrMapOvr>
     <a:masterClrMapping/>
   </p:clrMapOvr>
+  <p:timing>
+    <p:tnLst>
+      <p:par>
+        <p:cTn id="1" dur="indefinite" restart="never" nodeType="tmRoot"/>
+      </p:par>
+    </p:tnLst>
+  </p:timing>
 </p:sld>
 </file>
 
@@ -6512,7 +7622,7 @@
           <a:p>
             <a:fld id="{F8E0BC39-477C-49A9-94EA-FAC3D264471B}" type="datetime1">
               <a:rPr lang="ja-JP" altLang="en-US" smtClean="0"/>
-              <a:t>2017/6/15</a:t>
+              <a:t>2017/6/18</a:t>
             </a:fld>
             <a:endParaRPr lang="en-US" dirty="0"/>
           </a:p>
@@ -6861,7 +7971,7 @@
           <a:p>
             <a:fld id="{F8E0BC39-477C-49A9-94EA-FAC3D264471B}" type="datetime1">
               <a:rPr lang="ja-JP" altLang="en-US" smtClean="0"/>
-              <a:t>2017/6/15</a:t>
+              <a:t>2017/6/18</a:t>
             </a:fld>
             <a:endParaRPr lang="en-US" dirty="0"/>
           </a:p>
@@ -6930,6 +8040,13 @@
   <p:clrMapOvr>
     <a:masterClrMapping/>
   </p:clrMapOvr>
+  <p:timing>
+    <p:tnLst>
+      <p:par>
+        <p:cTn id="1" dur="indefinite" restart="never" nodeType="tmRoot"/>
+      </p:par>
+    </p:tnLst>
+  </p:timing>
 </p:sld>
 </file>
 
@@ -6967,7 +8084,7 @@
           <a:p>
             <a:fld id="{F8E0BC39-477C-49A9-94EA-FAC3D264471B}" type="datetime1">
               <a:rPr lang="ja-JP" altLang="en-US" smtClean="0"/>
-              <a:t>2017/6/15</a:t>
+              <a:t>2017/6/18</a:t>
             </a:fld>
             <a:endParaRPr lang="en-US" dirty="0"/>
           </a:p>
@@ -6992,6 +8109,230 @@
               <a:rPr lang="en-US" smtClean="0"/>
               <a:pPr/>
               <a:t>8</a:t>
+            </a:fld>
+            <a:endParaRPr lang="en-US" dirty="0"/>
+          </a:p>
+        </p:txBody>
+      </p:sp>
+      <p:sp>
+        <p:nvSpPr>
+          <p:cNvPr id="4" name="正方形/長方形 3"/>
+          <p:cNvSpPr/>
+          <p:nvPr/>
+        </p:nvSpPr>
+        <p:spPr>
+          <a:xfrm>
+            <a:off x="955122" y="379250"/>
+            <a:ext cx="10214656" cy="5170646"/>
+          </a:xfrm>
+          <a:prstGeom prst="rect">
+            <a:avLst/>
+          </a:prstGeom>
+        </p:spPr>
+        <p:txBody>
+          <a:bodyPr wrap="none">
+            <a:spAutoFit/>
+          </a:bodyPr>
+          <a:lstStyle/>
+          <a:p>
+            <a:pPr marL="1143000" indent="-1143000" algn="dist">
+              <a:buAutoNum type="arabicPeriod"/>
+            </a:pPr>
+            <a:r>
+              <a:rPr kumimoji="1" lang="ja-JP" altLang="en-US" sz="6600" dirty="0" smtClean="0"/>
+              <a:t>落ちてくる時間を早くする</a:t>
+            </a:r>
+            <a:endParaRPr kumimoji="1" lang="en-US" altLang="ja-JP" sz="6600" dirty="0" smtClean="0"/>
+          </a:p>
+          <a:p>
+            <a:pPr marL="1143000" indent="-1143000" algn="dist">
+              <a:buAutoNum type="arabicPeriod"/>
+            </a:pPr>
+            <a:r>
+              <a:rPr kumimoji="1" lang="ja-JP" altLang="en-US" sz="6600" dirty="0" smtClean="0"/>
+              <a:t>バウンドさせる</a:t>
+            </a:r>
+            <a:endParaRPr kumimoji="1" lang="en-US" altLang="ja-JP" sz="6600" dirty="0" smtClean="0"/>
+          </a:p>
+          <a:p>
+            <a:pPr marL="1143000" indent="-1143000" algn="dist">
+              <a:buAutoNum type="arabicPeriod"/>
+            </a:pPr>
+            <a:r>
+              <a:rPr kumimoji="1" lang="ja-JP" altLang="en-US" sz="6600" dirty="0" smtClean="0"/>
+              <a:t>左端から順番に落とす</a:t>
+            </a:r>
+            <a:endParaRPr kumimoji="1" lang="en-US" altLang="ja-JP" sz="6600" dirty="0" smtClean="0"/>
+          </a:p>
+          <a:p>
+            <a:pPr marL="1143000" indent="-1143000" algn="dist">
+              <a:buAutoNum type="arabicPeriod"/>
+            </a:pPr>
+            <a:r>
+              <a:rPr kumimoji="1" lang="ja-JP" altLang="en-US" sz="6600" dirty="0" smtClean="0"/>
+              <a:t>データを増やす</a:t>
+            </a:r>
+            <a:endParaRPr kumimoji="1" lang="en-US" altLang="ja-JP" sz="6600" dirty="0" smtClean="0"/>
+          </a:p>
+          <a:p>
+            <a:pPr marL="1143000" indent="-1143000" algn="dist">
+              <a:buAutoNum type="arabicPeriod"/>
+            </a:pPr>
+            <a:r>
+              <a:rPr kumimoji="1" lang="ja-JP" altLang="en-US" sz="6600" dirty="0" smtClean="0"/>
+              <a:t>おまけ</a:t>
+            </a:r>
+            <a:endParaRPr kumimoji="1" lang="ja-JP" altLang="en-US" sz="6600" dirty="0"/>
+          </a:p>
+        </p:txBody>
+      </p:sp>
+    </p:spTree>
+    <p:extLst>
+      <p:ext uri="{BB962C8B-B14F-4D97-AF65-F5344CB8AC3E}">
+        <p14:creationId xmlns:p14="http://schemas.microsoft.com/office/powerpoint/2010/main" val="600982340"/>
+      </p:ext>
+    </p:extLst>
+  </p:cSld>
+  <p:clrMapOvr>
+    <a:masterClrMapping/>
+  </p:clrMapOvr>
+  <p:timing>
+    <p:tnLst>
+      <p:par>
+        <p:cTn id="1" dur="indefinite" restart="never" nodeType="tmRoot">
+          <p:childTnLst>
+            <p:seq concurrent="1" nextAc="seek">
+              <p:cTn id="2" dur="indefinite" nodeType="mainSeq">
+                <p:childTnLst>
+                  <p:par>
+                    <p:cTn id="3" fill="hold">
+                      <p:stCondLst>
+                        <p:cond delay="indefinite"/>
+                      </p:stCondLst>
+                      <p:childTnLst>
+                        <p:par>
+                          <p:cTn id="4" fill="hold">
+                            <p:stCondLst>
+                              <p:cond delay="0"/>
+                            </p:stCondLst>
+                            <p:childTnLst>
+                              <p:par>
+                                <p:cTn id="5" presetID="3" presetClass="emph" presetSubtype="2" fill="hold" nodeType="clickEffect">
+                                  <p:stCondLst>
+                                    <p:cond delay="0"/>
+                                  </p:stCondLst>
+                                  <p:childTnLst>
+                                    <p:animClr clrSpc="rgb" dir="cw">
+                                      <p:cBhvr override="childStyle">
+                                        <p:cTn id="6" dur="1000" fill="hold"/>
+                                        <p:tgtEl>
+                                          <p:spTgt spid="4">
+                                            <p:txEl>
+                                              <p:pRg st="0" end="0"/>
+                                            </p:txEl>
+                                          </p:spTgt>
+                                        </p:tgtEl>
+                                        <p:attrNameLst>
+                                          <p:attrName>style.color</p:attrName>
+                                        </p:attrNameLst>
+                                      </p:cBhvr>
+                                      <p:to>
+                                        <a:srgbClr val="BD582C"/>
+                                      </p:to>
+                                    </p:animClr>
+                                  </p:childTnLst>
+                                </p:cTn>
+                              </p:par>
+                            </p:childTnLst>
+                          </p:cTn>
+                        </p:par>
+                      </p:childTnLst>
+                    </p:cTn>
+                  </p:par>
+                </p:childTnLst>
+              </p:cTn>
+              <p:prevCondLst>
+                <p:cond evt="onPrev" delay="0">
+                  <p:tgtEl>
+                    <p:sldTgt/>
+                  </p:tgtEl>
+                </p:cond>
+              </p:prevCondLst>
+              <p:nextCondLst>
+                <p:cond evt="onNext" delay="0">
+                  <p:tgtEl>
+                    <p:sldTgt/>
+                  </p:tgtEl>
+                </p:cond>
+              </p:nextCondLst>
+            </p:seq>
+          </p:childTnLst>
+        </p:cTn>
+      </p:par>
+    </p:tnLst>
+  </p:timing>
+</p:sld>
+</file>
+
+<file path=ppt/slides/slide9.xml><?xml version="1.0" encoding="utf-8"?>
+<p:sld xmlns:a="http://schemas.openxmlformats.org/drawingml/2006/main" xmlns:r="http://schemas.openxmlformats.org/officeDocument/2006/relationships" xmlns:p="http://schemas.openxmlformats.org/presentationml/2006/main">
+  <p:cSld>
+    <p:spTree>
+      <p:nvGrpSpPr>
+        <p:cNvPr id="1" name=""/>
+        <p:cNvGrpSpPr/>
+        <p:nvPr/>
+      </p:nvGrpSpPr>
+      <p:grpSpPr>
+        <a:xfrm>
+          <a:off x="0" y="0"/>
+          <a:ext cx="0" cy="0"/>
+          <a:chOff x="0" y="0"/>
+          <a:chExt cx="0" cy="0"/>
+        </a:xfrm>
+      </p:grpSpPr>
+      <p:sp>
+        <p:nvSpPr>
+          <p:cNvPr id="2" name="日付プレースホルダー 1"/>
+          <p:cNvSpPr>
+            <a:spLocks noGrp="1"/>
+          </p:cNvSpPr>
+          <p:nvPr>
+            <p:ph type="dt" sz="half" idx="10"/>
+          </p:nvPr>
+        </p:nvSpPr>
+        <p:spPr/>
+        <p:txBody>
+          <a:bodyPr/>
+          <a:lstStyle/>
+          <a:p>
+            <a:fld id="{F8E0BC39-477C-49A9-94EA-FAC3D264471B}" type="datetime1">
+              <a:rPr lang="ja-JP" altLang="en-US" smtClean="0"/>
+              <a:t>2017/6/18</a:t>
+            </a:fld>
+            <a:endParaRPr lang="en-US" dirty="0"/>
+          </a:p>
+        </p:txBody>
+      </p:sp>
+      <p:sp>
+        <p:nvSpPr>
+          <p:cNvPr id="3" name="スライド番号プレースホルダー 2"/>
+          <p:cNvSpPr>
+            <a:spLocks noGrp="1"/>
+          </p:cNvSpPr>
+          <p:nvPr>
+            <p:ph type="sldNum" sz="quarter" idx="12"/>
+          </p:nvPr>
+        </p:nvSpPr>
+        <p:spPr/>
+        <p:txBody>
+          <a:bodyPr/>
+          <a:lstStyle/>
+          <a:p>
+            <a:fld id="{4FAB73BC-B049-4115-A692-8D63A059BFB8}" type="slidenum">
+              <a:rPr lang="en-US" smtClean="0"/>
+              <a:pPr/>
+              <a:t>9</a:t>
             </a:fld>
             <a:endParaRPr lang="en-US" dirty="0"/>
           </a:p>
@@ -7129,205 +8470,13 @@
   <p:clrMapOvr>
     <a:masterClrMapping/>
   </p:clrMapOvr>
-</p:sld>
-</file>
-
-<file path=ppt/slides/slide9.xml><?xml version="1.0" encoding="utf-8"?>
-<p:sld xmlns:a="http://schemas.openxmlformats.org/drawingml/2006/main" xmlns:r="http://schemas.openxmlformats.org/officeDocument/2006/relationships" xmlns:p="http://schemas.openxmlformats.org/presentationml/2006/main">
-  <p:cSld>
-    <p:spTree>
-      <p:nvGrpSpPr>
-        <p:cNvPr id="1" name=""/>
-        <p:cNvGrpSpPr/>
-        <p:nvPr/>
-      </p:nvGrpSpPr>
-      <p:grpSpPr>
-        <a:xfrm>
-          <a:off x="0" y="0"/>
-          <a:ext cx="0" cy="0"/>
-          <a:chOff x="0" y="0"/>
-          <a:chExt cx="0" cy="0"/>
-        </a:xfrm>
-      </p:grpSpPr>
-      <p:sp>
-        <p:nvSpPr>
-          <p:cNvPr id="2" name="日付プレースホルダー 1"/>
-          <p:cNvSpPr>
-            <a:spLocks noGrp="1"/>
-          </p:cNvSpPr>
-          <p:nvPr>
-            <p:ph type="dt" sz="half" idx="10"/>
-          </p:nvPr>
-        </p:nvSpPr>
-        <p:spPr/>
-        <p:txBody>
-          <a:bodyPr/>
-          <a:lstStyle/>
-          <a:p>
-            <a:fld id="{F8E0BC39-477C-49A9-94EA-FAC3D264471B}" type="datetime1">
-              <a:rPr lang="ja-JP" altLang="en-US" smtClean="0"/>
-              <a:t>2017/6/15</a:t>
-            </a:fld>
-            <a:endParaRPr lang="en-US" dirty="0"/>
-          </a:p>
-        </p:txBody>
-      </p:sp>
-      <p:sp>
-        <p:nvSpPr>
-          <p:cNvPr id="3" name="スライド番号プレースホルダー 2"/>
-          <p:cNvSpPr>
-            <a:spLocks noGrp="1"/>
-          </p:cNvSpPr>
-          <p:nvPr>
-            <p:ph type="sldNum" sz="quarter" idx="12"/>
-          </p:nvPr>
-        </p:nvSpPr>
-        <p:spPr/>
-        <p:txBody>
-          <a:bodyPr/>
-          <a:lstStyle/>
-          <a:p>
-            <a:fld id="{4FAB73BC-B049-4115-A692-8D63A059BFB8}" type="slidenum">
-              <a:rPr lang="en-US" smtClean="0"/>
-              <a:pPr/>
-              <a:t>9</a:t>
-            </a:fld>
-            <a:endParaRPr lang="en-US" dirty="0"/>
-          </a:p>
-        </p:txBody>
-      </p:sp>
-      <p:sp>
-        <p:nvSpPr>
-          <p:cNvPr id="4" name="正方形/長方形 3"/>
-          <p:cNvSpPr/>
-          <p:nvPr/>
-        </p:nvSpPr>
-        <p:spPr>
-          <a:xfrm>
-            <a:off x="2977197" y="4327435"/>
-            <a:ext cx="6237605" cy="1200329"/>
-          </a:xfrm>
-          <a:prstGeom prst="rect">
-            <a:avLst/>
-          </a:prstGeom>
-        </p:spPr>
-        <p:txBody>
-          <a:bodyPr wrap="none">
-            <a:spAutoFit/>
-          </a:bodyPr>
-          <a:lstStyle/>
-          <a:p>
-            <a:r>
-              <a:rPr kumimoji="1" lang="en-US" altLang="ja-JP" sz="7200" dirty="0"/>
-              <a:t>.ease("</a:t>
-            </a:r>
-            <a:r>
-              <a:rPr kumimoji="1" lang="en-US" altLang="ja-JP" sz="7200" dirty="0">
-                <a:solidFill>
-                  <a:srgbClr val="FF0000"/>
-                </a:solidFill>
-              </a:rPr>
-              <a:t>bounce</a:t>
-            </a:r>
-            <a:r>
-              <a:rPr kumimoji="1" lang="en-US" altLang="ja-JP" sz="7200" dirty="0"/>
-              <a:t>")</a:t>
-            </a:r>
-            <a:endParaRPr kumimoji="1" lang="ja-JP" altLang="en-US" sz="7200" dirty="0"/>
-          </a:p>
-        </p:txBody>
-      </p:sp>
-      <p:sp>
-        <p:nvSpPr>
-          <p:cNvPr id="5" name="正方形/長方形 4"/>
-          <p:cNvSpPr/>
-          <p:nvPr/>
-        </p:nvSpPr>
-        <p:spPr>
-          <a:xfrm>
-            <a:off x="3709545" y="923836"/>
-            <a:ext cx="4772910" cy="1200329"/>
-          </a:xfrm>
-          <a:prstGeom prst="rect">
-            <a:avLst/>
-          </a:prstGeom>
-        </p:spPr>
-        <p:txBody>
-          <a:bodyPr wrap="none">
-            <a:spAutoFit/>
-          </a:bodyPr>
-          <a:lstStyle/>
-          <a:p>
-            <a:r>
-              <a:rPr kumimoji="1" lang="en-US" altLang="ja-JP" sz="7200" dirty="0"/>
-              <a:t>.ease("</a:t>
-            </a:r>
-            <a:r>
-              <a:rPr kumimoji="1" lang="en-US" altLang="ja-JP" sz="7200" dirty="0" err="1">
-                <a:solidFill>
-                  <a:srgbClr val="FF0000"/>
-                </a:solidFill>
-              </a:rPr>
-              <a:t>exp</a:t>
-            </a:r>
-            <a:r>
-              <a:rPr kumimoji="1" lang="en-US" altLang="ja-JP" sz="7200" dirty="0"/>
-              <a:t>")</a:t>
-            </a:r>
-            <a:endParaRPr kumimoji="1" lang="ja-JP" altLang="en-US" sz="7200" dirty="0"/>
-          </a:p>
-        </p:txBody>
-      </p:sp>
-      <p:sp>
-        <p:nvSpPr>
-          <p:cNvPr id="6" name="矢印: 下 5"/>
-          <p:cNvSpPr/>
-          <p:nvPr/>
-        </p:nvSpPr>
-        <p:spPr>
-          <a:xfrm>
-            <a:off x="5543549" y="2679700"/>
-            <a:ext cx="1104900" cy="1092200"/>
-          </a:xfrm>
-          <a:prstGeom prst="downArrow">
-            <a:avLst/>
-          </a:prstGeom>
-        </p:spPr>
-        <p:style>
-          <a:lnRef idx="2">
-            <a:schemeClr val="accent1">
-              <a:shade val="50000"/>
-            </a:schemeClr>
-          </a:lnRef>
-          <a:fillRef idx="1">
-            <a:schemeClr val="accent1"/>
-          </a:fillRef>
-          <a:effectRef idx="0">
-            <a:schemeClr val="accent1"/>
-          </a:effectRef>
-          <a:fontRef idx="minor">
-            <a:schemeClr val="lt1"/>
-          </a:fontRef>
-        </p:style>
-        <p:txBody>
-          <a:bodyPr rtlCol="0" anchor="ctr"/>
-          <a:lstStyle/>
-          <a:p>
-            <a:pPr algn="ctr"/>
-            <a:endParaRPr kumimoji="1" lang="ja-JP" altLang="en-US"/>
-          </a:p>
-        </p:txBody>
-      </p:sp>
-    </p:spTree>
-    <p:extLst>
-      <p:ext uri="{BB962C8B-B14F-4D97-AF65-F5344CB8AC3E}">
-        <p14:creationId xmlns:p14="http://schemas.microsoft.com/office/powerpoint/2010/main" val="2373020884"/>
-      </p:ext>
-    </p:extLst>
-  </p:cSld>
-  <p:clrMapOvr>
-    <a:masterClrMapping/>
-  </p:clrMapOvr>
+  <p:timing>
+    <p:tnLst>
+      <p:par>
+        <p:cTn id="1" dur="indefinite" restart="never" nodeType="tmRoot"/>
+      </p:par>
+    </p:tnLst>
+  </p:timing>
 </p:sld>
 </file>
 
